--- a/想起祢.pptx
+++ b/想起祢.pptx
@@ -8,6 +8,9 @@
     <p:sldId id="256" r:id="rId2"/>
     <p:sldId id="257" r:id="rId3"/>
     <p:sldId id="258" r:id="rId4"/>
+    <p:sldId id="259" r:id="rId5"/>
+    <p:sldId id="260" r:id="rId6"/>
+    <p:sldId id="261" r:id="rId7"/>
   </p:sldIdLst>
   <p:sldSz cx="9144000" cy="6858000" type="screen4x3"/>
   <p:notesSz cx="6858000" cy="9144000"/>
@@ -317,7 +320,8 @@
           <a:p>
             <a:fld id="{0D8AF47B-8F21-4E56-A97B-22000A3EFC72}" type="datetimeFigureOut">
               <a:rPr lang="zh-TW" altLang="en-US" smtClean="0"/>
-              <a:t>2013/4/18</a:t>
+              <a:pPr/>
+              <a:t>2019/5/7</a:t>
             </a:fld>
             <a:endParaRPr lang="zh-TW" altLang="en-US"/>
           </a:p>
@@ -359,6 +363,7 @@
           <a:p>
             <a:fld id="{57D3A6B2-FEF3-4399-A4EF-D262E448678C}" type="slidenum">
               <a:rPr lang="zh-TW" altLang="en-US" smtClean="0"/>
+              <a:pPr/>
               <a:t>‹#›</a:t>
             </a:fld>
             <a:endParaRPr lang="zh-TW" altLang="en-US"/>
@@ -482,7 +487,8 @@
           <a:p>
             <a:fld id="{0D8AF47B-8F21-4E56-A97B-22000A3EFC72}" type="datetimeFigureOut">
               <a:rPr lang="zh-TW" altLang="en-US" smtClean="0"/>
-              <a:t>2013/4/18</a:t>
+              <a:pPr/>
+              <a:t>2019/5/7</a:t>
             </a:fld>
             <a:endParaRPr lang="zh-TW" altLang="en-US"/>
           </a:p>
@@ -524,6 +530,7 @@
           <a:p>
             <a:fld id="{57D3A6B2-FEF3-4399-A4EF-D262E448678C}" type="slidenum">
               <a:rPr lang="zh-TW" altLang="en-US" smtClean="0"/>
+              <a:pPr/>
               <a:t>‹#›</a:t>
             </a:fld>
             <a:endParaRPr lang="zh-TW" altLang="en-US"/>
@@ -678,7 +685,8 @@
           <a:p>
             <a:fld id="{0D8AF47B-8F21-4E56-A97B-22000A3EFC72}" type="datetimeFigureOut">
               <a:rPr lang="zh-TW" altLang="en-US" smtClean="0"/>
-              <a:t>2013/4/18</a:t>
+              <a:pPr/>
+              <a:t>2019/5/7</a:t>
             </a:fld>
             <a:endParaRPr lang="zh-TW" altLang="en-US"/>
           </a:p>
@@ -720,6 +728,7 @@
           <a:p>
             <a:fld id="{57D3A6B2-FEF3-4399-A4EF-D262E448678C}" type="slidenum">
               <a:rPr lang="zh-TW" altLang="en-US" smtClean="0"/>
+              <a:pPr/>
               <a:t>‹#›</a:t>
             </a:fld>
             <a:endParaRPr lang="zh-TW" altLang="en-US"/>
@@ -843,7 +852,8 @@
           <a:p>
             <a:fld id="{0D8AF47B-8F21-4E56-A97B-22000A3EFC72}" type="datetimeFigureOut">
               <a:rPr lang="zh-TW" altLang="en-US" smtClean="0"/>
-              <a:t>2013/4/18</a:t>
+              <a:pPr/>
+              <a:t>2019/5/7</a:t>
             </a:fld>
             <a:endParaRPr lang="zh-TW" altLang="en-US"/>
           </a:p>
@@ -885,6 +895,7 @@
           <a:p>
             <a:fld id="{57D3A6B2-FEF3-4399-A4EF-D262E448678C}" type="slidenum">
               <a:rPr lang="zh-TW" altLang="en-US" smtClean="0"/>
+              <a:pPr/>
               <a:t>‹#›</a:t>
             </a:fld>
             <a:endParaRPr lang="zh-TW" altLang="en-US"/>
@@ -1108,7 +1119,8 @@
           <a:p>
             <a:fld id="{0D8AF47B-8F21-4E56-A97B-22000A3EFC72}" type="datetimeFigureOut">
               <a:rPr lang="zh-TW" altLang="en-US" smtClean="0"/>
-              <a:t>2013/4/18</a:t>
+              <a:pPr/>
+              <a:t>2019/5/7</a:t>
             </a:fld>
             <a:endParaRPr lang="zh-TW" altLang="en-US"/>
           </a:p>
@@ -1150,6 +1162,7 @@
           <a:p>
             <a:fld id="{57D3A6B2-FEF3-4399-A4EF-D262E448678C}" type="slidenum">
               <a:rPr lang="zh-TW" altLang="en-US" smtClean="0"/>
+              <a:pPr/>
               <a:t>‹#›</a:t>
             </a:fld>
             <a:endParaRPr lang="zh-TW" altLang="en-US"/>
@@ -1391,7 +1404,8 @@
           <a:p>
             <a:fld id="{0D8AF47B-8F21-4E56-A97B-22000A3EFC72}" type="datetimeFigureOut">
               <a:rPr lang="zh-TW" altLang="en-US" smtClean="0"/>
-              <a:t>2013/4/18</a:t>
+              <a:pPr/>
+              <a:t>2019/5/7</a:t>
             </a:fld>
             <a:endParaRPr lang="zh-TW" altLang="en-US"/>
           </a:p>
@@ -1433,6 +1447,7 @@
           <a:p>
             <a:fld id="{57D3A6B2-FEF3-4399-A4EF-D262E448678C}" type="slidenum">
               <a:rPr lang="zh-TW" altLang="en-US" smtClean="0"/>
+              <a:pPr/>
               <a:t>‹#›</a:t>
             </a:fld>
             <a:endParaRPr lang="zh-TW" altLang="en-US"/>
@@ -1781,7 +1796,8 @@
           <a:p>
             <a:fld id="{0D8AF47B-8F21-4E56-A97B-22000A3EFC72}" type="datetimeFigureOut">
               <a:rPr lang="zh-TW" altLang="en-US" smtClean="0"/>
-              <a:t>2013/4/18</a:t>
+              <a:pPr/>
+              <a:t>2019/5/7</a:t>
             </a:fld>
             <a:endParaRPr lang="zh-TW" altLang="en-US"/>
           </a:p>
@@ -1823,6 +1839,7 @@
           <a:p>
             <a:fld id="{57D3A6B2-FEF3-4399-A4EF-D262E448678C}" type="slidenum">
               <a:rPr lang="zh-TW" altLang="en-US" smtClean="0"/>
+              <a:pPr/>
               <a:t>‹#›</a:t>
             </a:fld>
             <a:endParaRPr lang="zh-TW" altLang="en-US"/>
@@ -1921,7 +1938,8 @@
           <a:p>
             <a:fld id="{0D8AF47B-8F21-4E56-A97B-22000A3EFC72}" type="datetimeFigureOut">
               <a:rPr lang="zh-TW" altLang="en-US" smtClean="0"/>
-              <a:t>2013/4/18</a:t>
+              <a:pPr/>
+              <a:t>2019/5/7</a:t>
             </a:fld>
             <a:endParaRPr lang="zh-TW" altLang="en-US"/>
           </a:p>
@@ -1963,6 +1981,7 @@
           <a:p>
             <a:fld id="{57D3A6B2-FEF3-4399-A4EF-D262E448678C}" type="slidenum">
               <a:rPr lang="zh-TW" altLang="en-US" smtClean="0"/>
+              <a:pPr/>
               <a:t>‹#›</a:t>
             </a:fld>
             <a:endParaRPr lang="zh-TW" altLang="en-US"/>
@@ -2011,7 +2030,8 @@
           <a:p>
             <a:fld id="{0D8AF47B-8F21-4E56-A97B-22000A3EFC72}" type="datetimeFigureOut">
               <a:rPr lang="zh-TW" altLang="en-US" smtClean="0"/>
-              <a:t>2013/4/18</a:t>
+              <a:pPr/>
+              <a:t>2019/5/7</a:t>
             </a:fld>
             <a:endParaRPr lang="zh-TW" altLang="en-US"/>
           </a:p>
@@ -2053,6 +2073,7 @@
           <a:p>
             <a:fld id="{57D3A6B2-FEF3-4399-A4EF-D262E448678C}" type="slidenum">
               <a:rPr lang="zh-TW" altLang="en-US" smtClean="0"/>
+              <a:pPr/>
               <a:t>‹#›</a:t>
             </a:fld>
             <a:endParaRPr lang="zh-TW" altLang="en-US"/>
@@ -2337,7 +2358,8 @@
           <a:p>
             <a:fld id="{0D8AF47B-8F21-4E56-A97B-22000A3EFC72}" type="datetimeFigureOut">
               <a:rPr lang="zh-TW" altLang="en-US" smtClean="0"/>
-              <a:t>2013/4/18</a:t>
+              <a:pPr/>
+              <a:t>2019/5/7</a:t>
             </a:fld>
             <a:endParaRPr lang="zh-TW" altLang="en-US"/>
           </a:p>
@@ -2379,6 +2401,7 @@
           <a:p>
             <a:fld id="{57D3A6B2-FEF3-4399-A4EF-D262E448678C}" type="slidenum">
               <a:rPr lang="zh-TW" altLang="en-US" smtClean="0"/>
+              <a:pPr/>
               <a:t>‹#›</a:t>
             </a:fld>
             <a:endParaRPr lang="zh-TW" altLang="en-US"/>
@@ -2809,7 +2832,8 @@
           <a:p>
             <a:fld id="{0D8AF47B-8F21-4E56-A97B-22000A3EFC72}" type="datetimeFigureOut">
               <a:rPr lang="zh-TW" altLang="en-US" smtClean="0"/>
-              <a:t>2013/4/18</a:t>
+              <a:pPr/>
+              <a:t>2019/5/7</a:t>
             </a:fld>
             <a:endParaRPr lang="zh-TW" altLang="en-US"/>
           </a:p>
@@ -2851,6 +2875,7 @@
           <a:p>
             <a:fld id="{57D3A6B2-FEF3-4399-A4EF-D262E448678C}" type="slidenum">
               <a:rPr lang="zh-TW" altLang="en-US" smtClean="0"/>
+              <a:pPr/>
               <a:t>‹#›</a:t>
             </a:fld>
             <a:endParaRPr lang="zh-TW" altLang="en-US"/>
@@ -3030,7 +3055,8 @@
           <a:p>
             <a:fld id="{0D8AF47B-8F21-4E56-A97B-22000A3EFC72}" type="datetimeFigureOut">
               <a:rPr lang="zh-TW" altLang="en-US" smtClean="0"/>
-              <a:t>2013/4/18</a:t>
+              <a:pPr/>
+              <a:t>2019/5/7</a:t>
             </a:fld>
             <a:endParaRPr lang="zh-TW" altLang="en-US"/>
           </a:p>
@@ -3108,6 +3134,7 @@
           <a:p>
             <a:fld id="{57D3A6B2-FEF3-4399-A4EF-D262E448678C}" type="slidenum">
               <a:rPr lang="zh-TW" altLang="en-US" smtClean="0"/>
+              <a:pPr/>
               <a:t>‹#›</a:t>
             </a:fld>
             <a:endParaRPr lang="zh-TW" altLang="en-US"/>
@@ -3504,37 +3531,88 @@
           <a:lstStyle/>
           <a:p>
             <a:r>
-              <a:rPr lang="zh-CN" altLang="en-US" sz="3600" dirty="0"/>
-              <a:t>想起祢</a:t>
-            </a:r>
-            <a:r>
-              <a:rPr lang="zh-TW" altLang="en-US" sz="3600" dirty="0"/>
-              <a:t/>
-            </a:r>
-            <a:br>
-              <a:rPr lang="zh-TW" altLang="en-US" sz="3600" dirty="0"/>
-            </a:br>
-            <a:r>
-              <a:rPr lang="en-US" sz="3600" dirty="0" err="1"/>
+              <a:rPr lang="zh-CN" altLang="en-US" sz="3600" b="1" dirty="0">
+                <a:solidFill>
+                  <a:srgbClr val="000066"/>
+                </a:solidFill>
+                <a:latin typeface="微軟正黑體" pitchFamily="34" charset="-120"/>
+                <a:ea typeface="微軟正黑體" pitchFamily="34" charset="-120"/>
+              </a:rPr>
+              <a:t>想起</a:t>
+            </a:r>
+            <a:r>
+              <a:rPr lang="zh-CN" altLang="en-US" sz="3600" b="1" dirty="0" smtClean="0">
+                <a:solidFill>
+                  <a:srgbClr val="000066"/>
+                </a:solidFill>
+                <a:latin typeface="微軟正黑體" pitchFamily="34" charset="-120"/>
+                <a:ea typeface="微軟正黑體" pitchFamily="34" charset="-120"/>
+              </a:rPr>
+              <a:t>祢   </a:t>
+            </a:r>
+            <a:r>
+              <a:rPr lang="en-US" sz="3600" b="1" dirty="0" err="1" smtClean="0">
+                <a:solidFill>
+                  <a:srgbClr val="000066"/>
+                </a:solidFill>
+                <a:latin typeface="Times New Roman" pitchFamily="18" charset="0"/>
+                <a:ea typeface="微軟正黑體" pitchFamily="34" charset="-120"/>
+                <a:cs typeface="Times New Roman" pitchFamily="18" charset="0"/>
+              </a:rPr>
               <a:t>Nghĩ</a:t>
             </a:r>
             <a:r>
-              <a:rPr lang="en-US" sz="3600" dirty="0"/>
-              <a:t> </a:t>
-            </a:r>
-            <a:r>
-              <a:rPr lang="en-US" sz="3600" dirty="0" err="1"/>
+              <a:rPr lang="en-US" sz="3600" b="1" dirty="0" smtClean="0">
+                <a:solidFill>
+                  <a:srgbClr val="000066"/>
+                </a:solidFill>
+                <a:latin typeface="Times New Roman" pitchFamily="18" charset="0"/>
+                <a:ea typeface="微軟正黑體" pitchFamily="34" charset="-120"/>
+                <a:cs typeface="Times New Roman" pitchFamily="18" charset="0"/>
+              </a:rPr>
+              <a:t> </a:t>
+            </a:r>
+            <a:r>
+              <a:rPr lang="en-US" sz="3600" b="1" dirty="0" err="1">
+                <a:solidFill>
+                  <a:srgbClr val="000066"/>
+                </a:solidFill>
+                <a:latin typeface="Times New Roman" pitchFamily="18" charset="0"/>
+                <a:ea typeface="微軟正黑體" pitchFamily="34" charset="-120"/>
+                <a:cs typeface="Times New Roman" pitchFamily="18" charset="0"/>
+              </a:rPr>
               <a:t>đến</a:t>
             </a:r>
             <a:r>
-              <a:rPr lang="en-US" sz="3600" dirty="0"/>
-              <a:t> </a:t>
-            </a:r>
-            <a:r>
-              <a:rPr lang="en-US" sz="3600" dirty="0" err="1" smtClean="0"/>
+              <a:rPr lang="en-US" sz="3600" b="1" dirty="0">
+                <a:solidFill>
+                  <a:srgbClr val="000066"/>
+                </a:solidFill>
+                <a:latin typeface="Times New Roman" pitchFamily="18" charset="0"/>
+                <a:ea typeface="微軟正黑體" pitchFamily="34" charset="-120"/>
+                <a:cs typeface="Times New Roman" pitchFamily="18" charset="0"/>
+              </a:rPr>
+              <a:t> </a:t>
+            </a:r>
+            <a:r>
+              <a:rPr lang="en-US" sz="3600" b="1" dirty="0" err="1" smtClean="0">
+                <a:solidFill>
+                  <a:srgbClr val="000066"/>
+                </a:solidFill>
+                <a:latin typeface="Times New Roman" pitchFamily="18" charset="0"/>
+                <a:ea typeface="微軟正黑體" pitchFamily="34" charset="-120"/>
+                <a:cs typeface="Times New Roman" pitchFamily="18" charset="0"/>
+              </a:rPr>
               <a:t>Ngài</a:t>
             </a:r>
-            <a:endParaRPr lang="zh-TW" altLang="en-US" sz="3600" dirty="0"/>
+            <a:endParaRPr lang="zh-TW" altLang="en-US" sz="3600" b="1" dirty="0">
+              <a:solidFill>
+                <a:srgbClr val="000066"/>
+              </a:solidFill>
+              <a:latin typeface="Times New Roman" pitchFamily="18" charset="0"/>
+              <a:ea typeface="微軟正黑體" pitchFamily="34" charset="-120"/>
+              <a:cs typeface="Times New Roman" pitchFamily="18" charset="0"/>
+            </a:endParaRPr>
           </a:p>
         </p:txBody>
       </p:sp>
@@ -3550,13 +3628,13 @@
         </p:nvSpPr>
         <p:spPr>
           <a:xfrm>
-            <a:off x="457200" y="1600200"/>
-            <a:ext cx="8229600" cy="5257800"/>
+            <a:off x="0" y="1600200"/>
+            <a:ext cx="9144000" cy="5257800"/>
           </a:xfrm>
         </p:spPr>
         <p:txBody>
           <a:bodyPr>
-            <a:normAutofit lnSpcReduction="10000"/>
+            <a:noAutofit/>
           </a:bodyPr>
           <a:lstStyle/>
           <a:p>
@@ -3564,234 +3642,499 @@
               <a:buNone/>
             </a:pPr>
             <a:r>
-              <a:rPr lang="zh-CN" altLang="en-US" dirty="0"/>
+              <a:rPr lang="zh-CN" altLang="en-US" sz="4800" b="1" dirty="0">
+                <a:solidFill>
+                  <a:srgbClr val="000066"/>
+                </a:solidFill>
+                <a:latin typeface="微軟正黑體" pitchFamily="34" charset="-120"/>
+                <a:ea typeface="微軟正黑體" pitchFamily="34" charset="-120"/>
+              </a:rPr>
               <a:t>心情低落的时候 想起祢的温柔</a:t>
             </a:r>
-            <a:endParaRPr lang="zh-TW" altLang="en-US" dirty="0"/>
+            <a:endParaRPr lang="zh-TW" altLang="en-US" sz="4800" b="1" dirty="0">
+              <a:solidFill>
+                <a:srgbClr val="000066"/>
+              </a:solidFill>
+              <a:latin typeface="微軟正黑體" pitchFamily="34" charset="-120"/>
+              <a:ea typeface="微軟正黑體" pitchFamily="34" charset="-120"/>
+            </a:endParaRPr>
           </a:p>
           <a:p>
             <a:pPr algn="ctr">
               <a:buNone/>
             </a:pPr>
             <a:r>
-              <a:rPr lang="en-US" dirty="0" err="1"/>
+              <a:rPr lang="zh-CN" altLang="en-US" sz="4800" b="1" dirty="0" smtClean="0">
+                <a:solidFill>
+                  <a:srgbClr val="000066"/>
+                </a:solidFill>
+                <a:latin typeface="微軟正黑體" pitchFamily="34" charset="-120"/>
+                <a:ea typeface="微軟正黑體" pitchFamily="34" charset="-120"/>
+              </a:rPr>
+              <a:t>祢</a:t>
+            </a:r>
+            <a:r>
+              <a:rPr lang="zh-CN" altLang="en-US" sz="4800" b="1" dirty="0">
+                <a:solidFill>
+                  <a:srgbClr val="000066"/>
+                </a:solidFill>
+                <a:latin typeface="微軟正黑體" pitchFamily="34" charset="-120"/>
+                <a:ea typeface="微軟正黑體" pitchFamily="34" charset="-120"/>
+              </a:rPr>
+              <a:t>那看不见的手 安慰</a:t>
+            </a:r>
+            <a:r>
+              <a:rPr lang="zh-CN" altLang="en-US" sz="4800" b="1" dirty="0" smtClean="0">
+                <a:solidFill>
+                  <a:srgbClr val="000066"/>
+                </a:solidFill>
+                <a:latin typeface="微軟正黑體" pitchFamily="34" charset="-120"/>
+                <a:ea typeface="微軟正黑體" pitchFamily="34" charset="-120"/>
+              </a:rPr>
+              <a:t>我</a:t>
+            </a:r>
+            <a:endParaRPr lang="en-US" altLang="zh-CN" sz="4800" b="1" dirty="0" smtClean="0">
+              <a:solidFill>
+                <a:srgbClr val="000066"/>
+              </a:solidFill>
+              <a:latin typeface="微軟正黑體" pitchFamily="34" charset="-120"/>
+              <a:ea typeface="微軟正黑體" pitchFamily="34" charset="-120"/>
+            </a:endParaRPr>
+          </a:p>
+          <a:p>
+            <a:pPr algn="ctr">
+              <a:buNone/>
+            </a:pPr>
+            <a:r>
+              <a:rPr lang="en-US" sz="3600" b="1" dirty="0" err="1" smtClean="0">
+                <a:solidFill>
+                  <a:srgbClr val="000066"/>
+                </a:solidFill>
+                <a:latin typeface="Times New Roman" pitchFamily="18" charset="0"/>
+                <a:ea typeface="微軟正黑體" pitchFamily="34" charset="-120"/>
+                <a:cs typeface="Times New Roman" pitchFamily="18" charset="0"/>
+              </a:rPr>
               <a:t>Tâm</a:t>
             </a:r>
             <a:r>
-              <a:rPr lang="en-US" dirty="0"/>
-              <a:t> </a:t>
-            </a:r>
-            <a:r>
-              <a:rPr lang="en-US" dirty="0" err="1"/>
+              <a:rPr lang="en-US" sz="3600" b="1" dirty="0" smtClean="0">
+                <a:solidFill>
+                  <a:srgbClr val="000066"/>
+                </a:solidFill>
+                <a:latin typeface="Times New Roman" pitchFamily="18" charset="0"/>
+                <a:ea typeface="微軟正黑體" pitchFamily="34" charset="-120"/>
+                <a:cs typeface="Times New Roman" pitchFamily="18" charset="0"/>
+              </a:rPr>
+              <a:t> </a:t>
+            </a:r>
+            <a:r>
+              <a:rPr lang="en-US" sz="3600" b="1" dirty="0" err="1" smtClean="0">
+                <a:solidFill>
+                  <a:srgbClr val="000066"/>
+                </a:solidFill>
+                <a:latin typeface="Times New Roman" pitchFamily="18" charset="0"/>
+                <a:ea typeface="微軟正黑體" pitchFamily="34" charset="-120"/>
+                <a:cs typeface="Times New Roman" pitchFamily="18" charset="0"/>
+              </a:rPr>
               <a:t>trạng</a:t>
             </a:r>
             <a:r>
-              <a:rPr lang="en-US" dirty="0"/>
-              <a:t> </a:t>
-            </a:r>
-            <a:r>
-              <a:rPr lang="en-US" dirty="0" err="1"/>
+              <a:rPr lang="en-US" sz="3600" b="1" dirty="0" smtClean="0">
+                <a:solidFill>
+                  <a:srgbClr val="000066"/>
+                </a:solidFill>
+                <a:latin typeface="Times New Roman" pitchFamily="18" charset="0"/>
+                <a:ea typeface="微軟正黑體" pitchFamily="34" charset="-120"/>
+                <a:cs typeface="Times New Roman" pitchFamily="18" charset="0"/>
+              </a:rPr>
+              <a:t> </a:t>
+            </a:r>
+            <a:r>
+              <a:rPr lang="en-US" sz="3600" b="1" dirty="0" err="1" smtClean="0">
+                <a:solidFill>
+                  <a:srgbClr val="000066"/>
+                </a:solidFill>
+                <a:latin typeface="Times New Roman" pitchFamily="18" charset="0"/>
+                <a:ea typeface="微軟正黑體" pitchFamily="34" charset="-120"/>
+                <a:cs typeface="Times New Roman" pitchFamily="18" charset="0"/>
+              </a:rPr>
               <a:t>chán</a:t>
             </a:r>
             <a:r>
-              <a:rPr lang="en-US" dirty="0"/>
-              <a:t> </a:t>
-            </a:r>
-            <a:r>
-              <a:rPr lang="en-US" dirty="0" err="1" smtClean="0"/>
+              <a:rPr lang="en-US" sz="3600" b="1" dirty="0" smtClean="0">
+                <a:solidFill>
+                  <a:srgbClr val="000066"/>
+                </a:solidFill>
+                <a:latin typeface="Times New Roman" pitchFamily="18" charset="0"/>
+                <a:ea typeface="微軟正黑體" pitchFamily="34" charset="-120"/>
+                <a:cs typeface="Times New Roman" pitchFamily="18" charset="0"/>
+              </a:rPr>
+              <a:t> </a:t>
+            </a:r>
+            <a:r>
+              <a:rPr lang="en-US" sz="3600" b="1" dirty="0" err="1" smtClean="0">
+                <a:solidFill>
+                  <a:srgbClr val="000066"/>
+                </a:solidFill>
+                <a:latin typeface="Times New Roman" pitchFamily="18" charset="0"/>
+                <a:ea typeface="微軟正黑體" pitchFamily="34" charset="-120"/>
+                <a:cs typeface="Times New Roman" pitchFamily="18" charset="0"/>
+              </a:rPr>
               <a:t>chường</a:t>
             </a:r>
-            <a:endParaRPr lang="en-US" dirty="0" smtClean="0"/>
+            <a:endParaRPr lang="en-US" sz="3600" b="1" dirty="0" smtClean="0">
+              <a:solidFill>
+                <a:srgbClr val="000066"/>
+              </a:solidFill>
+              <a:latin typeface="Times New Roman" pitchFamily="18" charset="0"/>
+              <a:ea typeface="微軟正黑體" pitchFamily="34" charset="-120"/>
+              <a:cs typeface="Times New Roman" pitchFamily="18" charset="0"/>
+            </a:endParaRPr>
           </a:p>
           <a:p>
             <a:pPr algn="ctr">
               <a:buNone/>
             </a:pPr>
             <a:r>
-              <a:rPr lang="en-US" dirty="0" smtClean="0"/>
+              <a:rPr lang="en-US" sz="3600" b="1" dirty="0" smtClean="0">
+                <a:solidFill>
+                  <a:srgbClr val="000066"/>
+                </a:solidFill>
+                <a:latin typeface="Times New Roman" pitchFamily="18" charset="0"/>
+                <a:ea typeface="微軟正黑體" pitchFamily="34" charset="-120"/>
+                <a:cs typeface="Times New Roman" pitchFamily="18" charset="0"/>
+              </a:rPr>
               <a:t>con </a:t>
             </a:r>
             <a:r>
-              <a:rPr lang="en-US" dirty="0" err="1"/>
+              <a:rPr lang="en-US" sz="3600" b="1" dirty="0" err="1" smtClean="0">
+                <a:solidFill>
+                  <a:srgbClr val="000066"/>
+                </a:solidFill>
+                <a:latin typeface="Times New Roman" pitchFamily="18" charset="0"/>
+                <a:ea typeface="微軟正黑體" pitchFamily="34" charset="-120"/>
+                <a:cs typeface="Times New Roman" pitchFamily="18" charset="0"/>
+              </a:rPr>
               <a:t>nhớ</a:t>
             </a:r>
             <a:r>
-              <a:rPr lang="en-US" dirty="0"/>
-              <a:t> </a:t>
-            </a:r>
-            <a:r>
-              <a:rPr lang="en-US" dirty="0" err="1"/>
+              <a:rPr lang="en-US" sz="3600" b="1" dirty="0" smtClean="0">
+                <a:solidFill>
+                  <a:srgbClr val="000066"/>
+                </a:solidFill>
+                <a:latin typeface="Times New Roman" pitchFamily="18" charset="0"/>
+                <a:ea typeface="微軟正黑體" pitchFamily="34" charset="-120"/>
+                <a:cs typeface="Times New Roman" pitchFamily="18" charset="0"/>
+              </a:rPr>
+              <a:t> </a:t>
+            </a:r>
+            <a:r>
+              <a:rPr lang="en-US" sz="3600" b="1" dirty="0" err="1" smtClean="0">
+                <a:solidFill>
+                  <a:srgbClr val="000066"/>
+                </a:solidFill>
+                <a:latin typeface="Times New Roman" pitchFamily="18" charset="0"/>
+                <a:ea typeface="微軟正黑體" pitchFamily="34" charset="-120"/>
+                <a:cs typeface="Times New Roman" pitchFamily="18" charset="0"/>
+              </a:rPr>
               <a:t>đến</a:t>
             </a:r>
             <a:r>
-              <a:rPr lang="en-US" dirty="0"/>
-              <a:t> </a:t>
-            </a:r>
-            <a:r>
-              <a:rPr lang="en-US" dirty="0" err="1"/>
+              <a:rPr lang="en-US" sz="3600" b="1" dirty="0" smtClean="0">
+                <a:solidFill>
+                  <a:srgbClr val="000066"/>
+                </a:solidFill>
+                <a:latin typeface="Times New Roman" pitchFamily="18" charset="0"/>
+                <a:ea typeface="微軟正黑體" pitchFamily="34" charset="-120"/>
+                <a:cs typeface="Times New Roman" pitchFamily="18" charset="0"/>
+              </a:rPr>
+              <a:t> </a:t>
+            </a:r>
+            <a:r>
+              <a:rPr lang="en-US" sz="3600" b="1" dirty="0" err="1" smtClean="0">
+                <a:solidFill>
+                  <a:srgbClr val="000066"/>
+                </a:solidFill>
+                <a:latin typeface="Times New Roman" pitchFamily="18" charset="0"/>
+                <a:ea typeface="微軟正黑體" pitchFamily="34" charset="-120"/>
+                <a:cs typeface="Times New Roman" pitchFamily="18" charset="0"/>
+              </a:rPr>
               <a:t>sự</a:t>
             </a:r>
             <a:r>
-              <a:rPr lang="en-US" dirty="0"/>
-              <a:t> </a:t>
-            </a:r>
-            <a:r>
-              <a:rPr lang="en-US" dirty="0" err="1"/>
+              <a:rPr lang="en-US" sz="3600" b="1" dirty="0" smtClean="0">
+                <a:solidFill>
+                  <a:srgbClr val="000066"/>
+                </a:solidFill>
+                <a:latin typeface="Times New Roman" pitchFamily="18" charset="0"/>
+                <a:ea typeface="微軟正黑體" pitchFamily="34" charset="-120"/>
+                <a:cs typeface="Times New Roman" pitchFamily="18" charset="0"/>
+              </a:rPr>
+              <a:t> </a:t>
+            </a:r>
+            <a:r>
+              <a:rPr lang="en-US" sz="3600" b="1" dirty="0" err="1" smtClean="0">
+                <a:solidFill>
+                  <a:srgbClr val="000066"/>
+                </a:solidFill>
+                <a:latin typeface="Times New Roman" pitchFamily="18" charset="0"/>
+                <a:ea typeface="微軟正黑體" pitchFamily="34" charset="-120"/>
+                <a:cs typeface="Times New Roman" pitchFamily="18" charset="0"/>
+              </a:rPr>
               <a:t>mềm</a:t>
             </a:r>
             <a:r>
-              <a:rPr lang="en-US" dirty="0"/>
-              <a:t> </a:t>
-            </a:r>
-            <a:r>
-              <a:rPr lang="en-US" dirty="0" err="1"/>
+              <a:rPr lang="en-US" sz="3600" b="1" dirty="0" smtClean="0">
+                <a:solidFill>
+                  <a:srgbClr val="000066"/>
+                </a:solidFill>
+                <a:latin typeface="Times New Roman" pitchFamily="18" charset="0"/>
+                <a:ea typeface="微軟正黑體" pitchFamily="34" charset="-120"/>
+                <a:cs typeface="Times New Roman" pitchFamily="18" charset="0"/>
+              </a:rPr>
+              <a:t> </a:t>
+            </a:r>
+            <a:r>
+              <a:rPr lang="en-US" sz="3600" b="1" dirty="0" err="1" smtClean="0">
+                <a:solidFill>
+                  <a:srgbClr val="000066"/>
+                </a:solidFill>
+                <a:latin typeface="Times New Roman" pitchFamily="18" charset="0"/>
+                <a:ea typeface="微軟正黑體" pitchFamily="34" charset="-120"/>
+                <a:cs typeface="Times New Roman" pitchFamily="18" charset="0"/>
+              </a:rPr>
               <a:t>mại</a:t>
             </a:r>
             <a:r>
-              <a:rPr lang="en-US" dirty="0"/>
-              <a:t> </a:t>
-            </a:r>
-            <a:r>
-              <a:rPr lang="en-US" dirty="0" err="1"/>
+              <a:rPr lang="en-US" sz="3600" b="1" dirty="0" smtClean="0">
+                <a:solidFill>
+                  <a:srgbClr val="000066"/>
+                </a:solidFill>
+                <a:latin typeface="Times New Roman" pitchFamily="18" charset="0"/>
+                <a:ea typeface="微軟正黑體" pitchFamily="34" charset="-120"/>
+                <a:cs typeface="Times New Roman" pitchFamily="18" charset="0"/>
+              </a:rPr>
+              <a:t> </a:t>
+            </a:r>
+            <a:r>
+              <a:rPr lang="en-US" sz="3600" b="1" dirty="0" err="1" smtClean="0">
+                <a:solidFill>
+                  <a:srgbClr val="000066"/>
+                </a:solidFill>
+                <a:latin typeface="Times New Roman" pitchFamily="18" charset="0"/>
+                <a:ea typeface="微軟正黑體" pitchFamily="34" charset="-120"/>
+                <a:cs typeface="Times New Roman" pitchFamily="18" charset="0"/>
+              </a:rPr>
               <a:t>của</a:t>
             </a:r>
             <a:r>
-              <a:rPr lang="en-US" dirty="0"/>
-              <a:t> </a:t>
-            </a:r>
-            <a:r>
-              <a:rPr lang="en-US" dirty="0" err="1"/>
+              <a:rPr lang="en-US" sz="3600" b="1" dirty="0" smtClean="0">
+                <a:solidFill>
+                  <a:srgbClr val="000066"/>
+                </a:solidFill>
+                <a:latin typeface="Times New Roman" pitchFamily="18" charset="0"/>
+                <a:ea typeface="微軟正黑體" pitchFamily="34" charset="-120"/>
+                <a:cs typeface="Times New Roman" pitchFamily="18" charset="0"/>
+              </a:rPr>
+              <a:t> </a:t>
+            </a:r>
+            <a:r>
+              <a:rPr lang="en-US" sz="3600" b="1" dirty="0" err="1" smtClean="0">
+                <a:solidFill>
+                  <a:srgbClr val="000066"/>
+                </a:solidFill>
+                <a:latin typeface="Times New Roman" pitchFamily="18" charset="0"/>
+                <a:ea typeface="微軟正黑體" pitchFamily="34" charset="-120"/>
+                <a:cs typeface="Times New Roman" pitchFamily="18" charset="0"/>
+              </a:rPr>
               <a:t>Ngài</a:t>
             </a:r>
-            <a:endParaRPr lang="zh-TW" altLang="en-US" dirty="0"/>
+            <a:endParaRPr lang="zh-TW" altLang="en-US" sz="3600" b="1" dirty="0">
+              <a:solidFill>
+                <a:srgbClr val="000066"/>
+              </a:solidFill>
+              <a:latin typeface="Times New Roman" pitchFamily="18" charset="0"/>
+              <a:ea typeface="微軟正黑體" pitchFamily="34" charset="-120"/>
+              <a:cs typeface="Times New Roman" pitchFamily="18" charset="0"/>
+            </a:endParaRPr>
           </a:p>
           <a:p>
             <a:pPr algn="ctr">
               <a:buNone/>
             </a:pPr>
             <a:r>
-              <a:rPr lang="zh-CN" altLang="en-US" dirty="0"/>
-              <a:t>祢那看不见的手 安慰我</a:t>
-            </a:r>
-            <a:endParaRPr lang="zh-TW" altLang="en-US" dirty="0"/>
-          </a:p>
-          <a:p>
-            <a:pPr algn="ctr">
-              <a:buNone/>
-            </a:pPr>
-            <a:r>
-              <a:rPr lang="en-US" dirty="0" err="1"/>
+              <a:rPr lang="en-US" sz="3600" b="1" dirty="0" err="1">
+                <a:solidFill>
+                  <a:srgbClr val="000066"/>
+                </a:solidFill>
+                <a:latin typeface="Times New Roman" pitchFamily="18" charset="0"/>
+                <a:ea typeface="微軟正黑體" pitchFamily="34" charset="-120"/>
+                <a:cs typeface="Times New Roman" pitchFamily="18" charset="0"/>
+              </a:rPr>
               <a:t>Đôi</a:t>
             </a:r>
             <a:r>
-              <a:rPr lang="en-US" dirty="0"/>
-              <a:t> </a:t>
-            </a:r>
-            <a:r>
-              <a:rPr lang="en-US" dirty="0" err="1"/>
+              <a:rPr lang="en-US" sz="3600" b="1" dirty="0">
+                <a:solidFill>
+                  <a:srgbClr val="000066"/>
+                </a:solidFill>
+                <a:latin typeface="Times New Roman" pitchFamily="18" charset="0"/>
+                <a:ea typeface="微軟正黑體" pitchFamily="34" charset="-120"/>
+                <a:cs typeface="Times New Roman" pitchFamily="18" charset="0"/>
+              </a:rPr>
+              <a:t> </a:t>
+            </a:r>
+            <a:r>
+              <a:rPr lang="en-US" sz="3600" b="1" dirty="0" err="1">
+                <a:solidFill>
+                  <a:srgbClr val="000066"/>
+                </a:solidFill>
+                <a:latin typeface="Times New Roman" pitchFamily="18" charset="0"/>
+                <a:ea typeface="微軟正黑體" pitchFamily="34" charset="-120"/>
+                <a:cs typeface="Times New Roman" pitchFamily="18" charset="0"/>
+              </a:rPr>
               <a:t>tay</a:t>
             </a:r>
             <a:r>
-              <a:rPr lang="en-US" dirty="0"/>
-              <a:t> </a:t>
-            </a:r>
-            <a:r>
-              <a:rPr lang="en-US" dirty="0" err="1"/>
+              <a:rPr lang="en-US" sz="3600" b="1" dirty="0">
+                <a:solidFill>
+                  <a:srgbClr val="000066"/>
+                </a:solidFill>
+                <a:latin typeface="Times New Roman" pitchFamily="18" charset="0"/>
+                <a:ea typeface="微軟正黑體" pitchFamily="34" charset="-120"/>
+                <a:cs typeface="Times New Roman" pitchFamily="18" charset="0"/>
+              </a:rPr>
+              <a:t> </a:t>
+            </a:r>
+            <a:r>
+              <a:rPr lang="en-US" sz="3600" b="1" dirty="0" err="1">
+                <a:solidFill>
+                  <a:srgbClr val="000066"/>
+                </a:solidFill>
+                <a:latin typeface="Times New Roman" pitchFamily="18" charset="0"/>
+                <a:ea typeface="微軟正黑體" pitchFamily="34" charset="-120"/>
+                <a:cs typeface="Times New Roman" pitchFamily="18" charset="0"/>
+              </a:rPr>
               <a:t>vô</a:t>
             </a:r>
             <a:r>
-              <a:rPr lang="en-US" dirty="0"/>
-              <a:t> </a:t>
-            </a:r>
-            <a:r>
-              <a:rPr lang="en-US" dirty="0" err="1"/>
+              <a:rPr lang="en-US" sz="3600" b="1" dirty="0">
+                <a:solidFill>
+                  <a:srgbClr val="000066"/>
+                </a:solidFill>
+                <a:latin typeface="Times New Roman" pitchFamily="18" charset="0"/>
+                <a:ea typeface="微軟正黑體" pitchFamily="34" charset="-120"/>
+                <a:cs typeface="Times New Roman" pitchFamily="18" charset="0"/>
+              </a:rPr>
+              <a:t> </a:t>
+            </a:r>
+            <a:r>
+              <a:rPr lang="en-US" sz="3600" b="1" dirty="0" err="1">
+                <a:solidFill>
+                  <a:srgbClr val="000066"/>
+                </a:solidFill>
+                <a:latin typeface="Times New Roman" pitchFamily="18" charset="0"/>
+                <a:ea typeface="微軟正黑體" pitchFamily="34" charset="-120"/>
+                <a:cs typeface="Times New Roman" pitchFamily="18" charset="0"/>
+              </a:rPr>
               <a:t>hình</a:t>
             </a:r>
             <a:r>
-              <a:rPr lang="en-US" dirty="0"/>
-              <a:t> </a:t>
-            </a:r>
-            <a:r>
-              <a:rPr lang="en-US" dirty="0" err="1"/>
+              <a:rPr lang="en-US" sz="3600" b="1" dirty="0">
+                <a:solidFill>
+                  <a:srgbClr val="000066"/>
+                </a:solidFill>
+                <a:latin typeface="Times New Roman" pitchFamily="18" charset="0"/>
+                <a:ea typeface="微軟正黑體" pitchFamily="34" charset="-120"/>
+                <a:cs typeface="Times New Roman" pitchFamily="18" charset="0"/>
+              </a:rPr>
+              <a:t> </a:t>
+            </a:r>
+            <a:r>
+              <a:rPr lang="en-US" sz="3600" b="1" dirty="0" err="1">
+                <a:solidFill>
+                  <a:srgbClr val="000066"/>
+                </a:solidFill>
+                <a:latin typeface="Times New Roman" pitchFamily="18" charset="0"/>
+                <a:ea typeface="微軟正黑體" pitchFamily="34" charset="-120"/>
+                <a:cs typeface="Times New Roman" pitchFamily="18" charset="0"/>
+              </a:rPr>
               <a:t>của</a:t>
             </a:r>
             <a:r>
-              <a:rPr lang="en-US" dirty="0"/>
-              <a:t> </a:t>
-            </a:r>
-            <a:r>
-              <a:rPr lang="en-US" dirty="0" err="1"/>
+              <a:rPr lang="en-US" sz="3600" b="1" dirty="0">
+                <a:solidFill>
+                  <a:srgbClr val="000066"/>
+                </a:solidFill>
+                <a:latin typeface="Times New Roman" pitchFamily="18" charset="0"/>
+                <a:ea typeface="微軟正黑體" pitchFamily="34" charset="-120"/>
+                <a:cs typeface="Times New Roman" pitchFamily="18" charset="0"/>
+              </a:rPr>
+              <a:t> </a:t>
+            </a:r>
+            <a:r>
+              <a:rPr lang="en-US" sz="3600" b="1" dirty="0" err="1">
+                <a:solidFill>
+                  <a:srgbClr val="000066"/>
+                </a:solidFill>
+                <a:latin typeface="Times New Roman" pitchFamily="18" charset="0"/>
+                <a:ea typeface="微軟正黑體" pitchFamily="34" charset="-120"/>
+                <a:cs typeface="Times New Roman" pitchFamily="18" charset="0"/>
+              </a:rPr>
               <a:t>Ngài</a:t>
             </a:r>
             <a:r>
-              <a:rPr lang="en-US" dirty="0"/>
+              <a:rPr lang="en-US" sz="3600" b="1" dirty="0">
+                <a:solidFill>
+                  <a:srgbClr val="000066"/>
+                </a:solidFill>
+                <a:latin typeface="Times New Roman" pitchFamily="18" charset="0"/>
+                <a:ea typeface="微軟正黑體" pitchFamily="34" charset="-120"/>
+                <a:cs typeface="Times New Roman" pitchFamily="18" charset="0"/>
+              </a:rPr>
               <a:t> an </a:t>
             </a:r>
             <a:r>
-              <a:rPr lang="en-US" dirty="0" err="1"/>
+              <a:rPr lang="en-US" sz="3600" b="1" dirty="0" err="1">
+                <a:solidFill>
+                  <a:srgbClr val="000066"/>
+                </a:solidFill>
+                <a:latin typeface="Times New Roman" pitchFamily="18" charset="0"/>
+                <a:ea typeface="微軟正黑體" pitchFamily="34" charset="-120"/>
+                <a:cs typeface="Times New Roman" pitchFamily="18" charset="0"/>
+              </a:rPr>
               <a:t>ủi</a:t>
             </a:r>
             <a:r>
-              <a:rPr lang="en-US" dirty="0"/>
-              <a:t> con</a:t>
-            </a:r>
-            <a:endParaRPr lang="zh-TW" altLang="en-US" dirty="0"/>
-          </a:p>
-          <a:p>
-            <a:pPr algn="ctr">
-              <a:buNone/>
-            </a:pPr>
-            <a:r>
-              <a:rPr lang="zh-CN" altLang="en-US" dirty="0"/>
-              <a:t>风风雨雨的天空 盼望看见彩虹</a:t>
-            </a:r>
-            <a:endParaRPr lang="zh-TW" altLang="en-US" dirty="0"/>
-          </a:p>
-          <a:p>
-            <a:pPr algn="ctr">
-              <a:buNone/>
-            </a:pPr>
-            <a:r>
-              <a:rPr lang="en-US" dirty="0" err="1"/>
-              <a:t>Sau</a:t>
-            </a:r>
-            <a:r>
-              <a:rPr lang="en-US" dirty="0"/>
-              <a:t> c</a:t>
-            </a:r>
-            <a:r>
-              <a:rPr lang="vi-VN" dirty="0"/>
-              <a:t>ơn mưa hy vọng thấy cầu vòng</a:t>
-            </a:r>
-            <a:endParaRPr lang="zh-TW" altLang="en-US" dirty="0"/>
-          </a:p>
-          <a:p>
-            <a:pPr algn="ctr">
-              <a:buNone/>
-            </a:pPr>
-            <a:r>
-              <a:rPr lang="zh-CN" altLang="en-US" dirty="0"/>
-              <a:t>是祢恩典的承诺</a:t>
-            </a:r>
-            <a:endParaRPr lang="zh-TW" altLang="en-US" dirty="0"/>
-          </a:p>
-          <a:p>
-            <a:pPr algn="ctr">
-              <a:buNone/>
-            </a:pPr>
-            <a:r>
-              <a:rPr lang="en-US" dirty="0" err="1"/>
-              <a:t>Là</a:t>
-            </a:r>
-            <a:r>
-              <a:rPr lang="en-US" dirty="0"/>
-              <a:t> l</a:t>
-            </a:r>
-            <a:r>
-              <a:rPr lang="vi-VN" dirty="0"/>
-              <a:t>ời hứa ân điển của Ngài</a:t>
-            </a:r>
-            <a:endParaRPr lang="zh-TW" altLang="en-US" dirty="0"/>
+              <a:rPr lang="en-US" sz="3600" b="1" dirty="0">
+                <a:solidFill>
+                  <a:srgbClr val="000066"/>
+                </a:solidFill>
+                <a:latin typeface="Times New Roman" pitchFamily="18" charset="0"/>
+                <a:ea typeface="微軟正黑體" pitchFamily="34" charset="-120"/>
+                <a:cs typeface="Times New Roman" pitchFamily="18" charset="0"/>
+              </a:rPr>
+              <a:t> </a:t>
+            </a:r>
+            <a:r>
+              <a:rPr lang="en-US" sz="3600" b="1" dirty="0" smtClean="0">
+                <a:solidFill>
+                  <a:srgbClr val="000066"/>
+                </a:solidFill>
+                <a:latin typeface="Times New Roman" pitchFamily="18" charset="0"/>
+                <a:ea typeface="微軟正黑體" pitchFamily="34" charset="-120"/>
+                <a:cs typeface="Times New Roman" pitchFamily="18" charset="0"/>
+              </a:rPr>
+              <a:t>con</a:t>
+            </a:r>
+            <a:endParaRPr lang="zh-TW" altLang="en-US" sz="3600" b="1" dirty="0">
+              <a:solidFill>
+                <a:srgbClr val="000066"/>
+              </a:solidFill>
+              <a:latin typeface="Times New Roman" pitchFamily="18" charset="0"/>
+              <a:ea typeface="微軟正黑體" pitchFamily="34" charset="-120"/>
+              <a:cs typeface="Times New Roman" pitchFamily="18" charset="0"/>
+            </a:endParaRPr>
           </a:p>
         </p:txBody>
       </p:sp>
@@ -3838,34 +4181,68 @@
           <a:lstStyle/>
           <a:p>
             <a:r>
-              <a:rPr lang="zh-CN" altLang="en-US" sz="3600" dirty="0"/>
-              <a:t>想起祢</a:t>
-            </a:r>
-            <a:r>
-              <a:rPr lang="zh-TW" altLang="en-US" sz="3600" dirty="0"/>
-              <a:t/>
-            </a:r>
-            <a:br>
-              <a:rPr lang="zh-TW" altLang="en-US" sz="3600" dirty="0"/>
-            </a:br>
-            <a:r>
-              <a:rPr lang="en-US" sz="3600" dirty="0" err="1"/>
+              <a:rPr lang="zh-CN" altLang="en-US" sz="3600" b="1" dirty="0" smtClean="0">
+                <a:solidFill>
+                  <a:srgbClr val="000066"/>
+                </a:solidFill>
+                <a:latin typeface="微軟正黑體" pitchFamily="34" charset="-120"/>
+                <a:ea typeface="微軟正黑體" pitchFamily="34" charset="-120"/>
+              </a:rPr>
+              <a:t>想起祢   </a:t>
+            </a:r>
+            <a:r>
+              <a:rPr lang="en-US" sz="3600" b="1" dirty="0" err="1" smtClean="0">
+                <a:solidFill>
+                  <a:srgbClr val="000066"/>
+                </a:solidFill>
+                <a:latin typeface="Times New Roman" pitchFamily="18" charset="0"/>
+                <a:ea typeface="微軟正黑體" pitchFamily="34" charset="-120"/>
+                <a:cs typeface="Times New Roman" pitchFamily="18" charset="0"/>
+              </a:rPr>
               <a:t>Nghĩ</a:t>
             </a:r>
             <a:r>
-              <a:rPr lang="en-US" sz="3600" dirty="0"/>
-              <a:t> </a:t>
-            </a:r>
-            <a:r>
-              <a:rPr lang="en-US" sz="3600" dirty="0" err="1"/>
+              <a:rPr lang="en-US" sz="3600" b="1" dirty="0" smtClean="0">
+                <a:solidFill>
+                  <a:srgbClr val="000066"/>
+                </a:solidFill>
+                <a:latin typeface="Times New Roman" pitchFamily="18" charset="0"/>
+                <a:ea typeface="微軟正黑體" pitchFamily="34" charset="-120"/>
+                <a:cs typeface="Times New Roman" pitchFamily="18" charset="0"/>
+              </a:rPr>
+              <a:t> </a:t>
+            </a:r>
+            <a:r>
+              <a:rPr lang="en-US" sz="3600" b="1" dirty="0" err="1" smtClean="0">
+                <a:solidFill>
+                  <a:srgbClr val="000066"/>
+                </a:solidFill>
+                <a:latin typeface="Times New Roman" pitchFamily="18" charset="0"/>
+                <a:ea typeface="微軟正黑體" pitchFamily="34" charset="-120"/>
+                <a:cs typeface="Times New Roman" pitchFamily="18" charset="0"/>
+              </a:rPr>
               <a:t>đến</a:t>
             </a:r>
             <a:r>
-              <a:rPr lang="en-US" sz="3600" dirty="0"/>
-              <a:t> </a:t>
-            </a:r>
-            <a:r>
-              <a:rPr lang="en-US" sz="3600" dirty="0" err="1" smtClean="0"/>
+              <a:rPr lang="en-US" sz="3600" b="1" dirty="0" smtClean="0">
+                <a:solidFill>
+                  <a:srgbClr val="000066"/>
+                </a:solidFill>
+                <a:latin typeface="Times New Roman" pitchFamily="18" charset="0"/>
+                <a:ea typeface="微軟正黑體" pitchFamily="34" charset="-120"/>
+                <a:cs typeface="Times New Roman" pitchFamily="18" charset="0"/>
+              </a:rPr>
+              <a:t> </a:t>
+            </a:r>
+            <a:r>
+              <a:rPr lang="en-US" sz="3600" b="1" dirty="0" err="1" smtClean="0">
+                <a:solidFill>
+                  <a:srgbClr val="000066"/>
+                </a:solidFill>
+                <a:latin typeface="Times New Roman" pitchFamily="18" charset="0"/>
+                <a:ea typeface="微軟正黑體" pitchFamily="34" charset="-120"/>
+                <a:cs typeface="Times New Roman" pitchFamily="18" charset="0"/>
+              </a:rPr>
               <a:t>Ngài</a:t>
             </a:r>
             <a:endParaRPr lang="zh-TW" altLang="en-US" sz="3600" dirty="0"/>
@@ -3890,7 +4267,7 @@
         </p:spPr>
         <p:txBody>
           <a:bodyPr>
-            <a:noAutofit/>
+            <a:normAutofit/>
           </a:bodyPr>
           <a:lstStyle/>
           <a:p>
@@ -3898,346 +4275,155 @@
               <a:buNone/>
             </a:pPr>
             <a:r>
-              <a:rPr lang="zh-CN" altLang="en-US" dirty="0"/>
-              <a:t>每当想起祢 想起祢会帮助我</a:t>
-            </a:r>
-            <a:endParaRPr lang="zh-TW" altLang="en-US" dirty="0"/>
+              <a:rPr lang="zh-CN" altLang="en-US" sz="4800" b="1" dirty="0" smtClean="0">
+                <a:solidFill>
+                  <a:srgbClr val="000066"/>
+                </a:solidFill>
+                <a:latin typeface="微軟正黑體" pitchFamily="34" charset="-120"/>
+                <a:ea typeface="微軟正黑體" pitchFamily="34" charset="-120"/>
+              </a:rPr>
+              <a:t>风</a:t>
+            </a:r>
+            <a:r>
+              <a:rPr lang="zh-CN" altLang="en-US" sz="4800" b="1" dirty="0">
+                <a:solidFill>
+                  <a:srgbClr val="000066"/>
+                </a:solidFill>
+                <a:latin typeface="微軟正黑體" pitchFamily="34" charset="-120"/>
+                <a:ea typeface="微軟正黑體" pitchFamily="34" charset="-120"/>
+              </a:rPr>
+              <a:t>风雨雨的天空 盼望看见彩虹</a:t>
+            </a:r>
+            <a:endParaRPr lang="zh-TW" altLang="en-US" sz="4800" b="1" dirty="0">
+              <a:solidFill>
+                <a:srgbClr val="000066"/>
+              </a:solidFill>
+              <a:latin typeface="微軟正黑體" pitchFamily="34" charset="-120"/>
+              <a:ea typeface="微軟正黑體" pitchFamily="34" charset="-120"/>
+            </a:endParaRPr>
           </a:p>
           <a:p>
             <a:pPr algn="ctr">
               <a:buNone/>
             </a:pPr>
             <a:r>
-              <a:rPr lang="en-US" dirty="0" err="1"/>
-              <a:t>Mỗi</a:t>
-            </a:r>
-            <a:r>
-              <a:rPr lang="en-US" dirty="0"/>
-              <a:t> </a:t>
-            </a:r>
-            <a:r>
-              <a:rPr lang="en-US" dirty="0" err="1"/>
-              <a:t>khi</a:t>
-            </a:r>
-            <a:r>
-              <a:rPr lang="en-US" dirty="0"/>
-              <a:t> con </a:t>
-            </a:r>
-            <a:r>
-              <a:rPr lang="en-US" dirty="0" err="1"/>
-              <a:t>nghĩ</a:t>
-            </a:r>
-            <a:r>
-              <a:rPr lang="en-US" dirty="0"/>
-              <a:t> </a:t>
-            </a:r>
-            <a:r>
-              <a:rPr lang="en-US" dirty="0" err="1"/>
-              <a:t>đến</a:t>
-            </a:r>
-            <a:r>
-              <a:rPr lang="en-US" dirty="0"/>
-              <a:t> </a:t>
-            </a:r>
-            <a:r>
-              <a:rPr lang="en-US" dirty="0" err="1" smtClean="0"/>
-              <a:t>Ngài</a:t>
-            </a:r>
-            <a:endParaRPr lang="en-US" dirty="0"/>
+              <a:rPr lang="zh-CN" altLang="en-US" sz="4800" b="1" dirty="0" smtClean="0">
+                <a:solidFill>
+                  <a:srgbClr val="000066"/>
+                </a:solidFill>
+                <a:latin typeface="微軟正黑體" pitchFamily="34" charset="-120"/>
+                <a:ea typeface="微軟正黑體" pitchFamily="34" charset="-120"/>
+              </a:rPr>
+              <a:t>是</a:t>
+            </a:r>
+            <a:r>
+              <a:rPr lang="zh-CN" altLang="en-US" sz="4800" b="1" dirty="0">
+                <a:solidFill>
+                  <a:srgbClr val="000066"/>
+                </a:solidFill>
+                <a:latin typeface="微軟正黑體" pitchFamily="34" charset="-120"/>
+                <a:ea typeface="微軟正黑體" pitchFamily="34" charset="-120"/>
+              </a:rPr>
+              <a:t>祢恩典的承</a:t>
+            </a:r>
+            <a:r>
+              <a:rPr lang="zh-CN" altLang="en-US" sz="4800" b="1" dirty="0" smtClean="0">
+                <a:solidFill>
+                  <a:srgbClr val="000066"/>
+                </a:solidFill>
+                <a:latin typeface="微軟正黑體" pitchFamily="34" charset="-120"/>
+                <a:ea typeface="微軟正黑體" pitchFamily="34" charset="-120"/>
+              </a:rPr>
+              <a:t>诺</a:t>
+            </a:r>
+            <a:endParaRPr lang="en-US" altLang="zh-CN" sz="4800" b="1" dirty="0" smtClean="0">
+              <a:solidFill>
+                <a:srgbClr val="000066"/>
+              </a:solidFill>
+              <a:latin typeface="微軟正黑體" pitchFamily="34" charset="-120"/>
+              <a:ea typeface="微軟正黑體" pitchFamily="34" charset="-120"/>
+            </a:endParaRPr>
           </a:p>
           <a:p>
             <a:pPr algn="ctr">
               <a:buNone/>
             </a:pPr>
             <a:r>
-              <a:rPr lang="en-US" dirty="0" err="1" smtClean="0"/>
-              <a:t>nghĩ</a:t>
-            </a:r>
-            <a:r>
-              <a:rPr lang="en-US" dirty="0" smtClean="0"/>
-              <a:t> </a:t>
-            </a:r>
-            <a:r>
-              <a:rPr lang="en-US" dirty="0" err="1"/>
-              <a:t>đến</a:t>
-            </a:r>
-            <a:r>
-              <a:rPr lang="en-US" dirty="0"/>
-              <a:t> </a:t>
-            </a:r>
-            <a:r>
-              <a:rPr lang="en-US" dirty="0" err="1"/>
-              <a:t>Ngài</a:t>
-            </a:r>
-            <a:r>
-              <a:rPr lang="en-US" dirty="0"/>
-              <a:t> </a:t>
-            </a:r>
-            <a:r>
-              <a:rPr lang="en-US" dirty="0" err="1"/>
-              <a:t>sẽ</a:t>
-            </a:r>
-            <a:r>
-              <a:rPr lang="en-US" dirty="0"/>
-              <a:t> </a:t>
-            </a:r>
-            <a:r>
-              <a:rPr lang="en-US" dirty="0" err="1"/>
-              <a:t>giúp</a:t>
-            </a:r>
-            <a:r>
-              <a:rPr lang="en-US" dirty="0"/>
-              <a:t> </a:t>
-            </a:r>
-            <a:r>
-              <a:rPr lang="en-US" dirty="0" err="1"/>
-              <a:t>đỡ</a:t>
-            </a:r>
-            <a:r>
-              <a:rPr lang="en-US" dirty="0"/>
-              <a:t> con</a:t>
-            </a:r>
-            <a:endParaRPr lang="zh-TW" altLang="en-US" dirty="0"/>
+              <a:rPr lang="en-US" altLang="en-US" sz="3600" b="1" dirty="0" err="1" smtClean="0">
+                <a:solidFill>
+                  <a:srgbClr val="000066"/>
+                </a:solidFill>
+                <a:latin typeface="Times New Roman" pitchFamily="18" charset="0"/>
+                <a:ea typeface="微軟正黑體" pitchFamily="34" charset="-120"/>
+                <a:cs typeface="Times New Roman" pitchFamily="18" charset="0"/>
+              </a:rPr>
+              <a:t>Sau</a:t>
+            </a:r>
+            <a:r>
+              <a:rPr lang="en-US" altLang="en-US" sz="3600" b="1" dirty="0" smtClean="0">
+                <a:solidFill>
+                  <a:srgbClr val="000066"/>
+                </a:solidFill>
+                <a:latin typeface="Times New Roman" pitchFamily="18" charset="0"/>
+                <a:ea typeface="微軟正黑體" pitchFamily="34" charset="-120"/>
+                <a:cs typeface="Times New Roman" pitchFamily="18" charset="0"/>
+              </a:rPr>
+              <a:t> c</a:t>
+            </a:r>
+            <a:r>
+              <a:rPr lang="vi-VN" altLang="en-US" sz="3600" b="1" dirty="0" smtClean="0">
+                <a:solidFill>
+                  <a:srgbClr val="000066"/>
+                </a:solidFill>
+                <a:latin typeface="Times New Roman" pitchFamily="18" charset="0"/>
+                <a:ea typeface="微軟正黑體" pitchFamily="34" charset="-120"/>
+                <a:cs typeface="Times New Roman" pitchFamily="18" charset="0"/>
+              </a:rPr>
+              <a:t>ơn mưa hy vọng thấy cầu vòng</a:t>
+            </a:r>
+            <a:endParaRPr lang="zh-TW" altLang="en-US" sz="3600" b="1" dirty="0" err="1" smtClean="0">
+              <a:solidFill>
+                <a:srgbClr val="000066"/>
+              </a:solidFill>
+              <a:latin typeface="Times New Roman" pitchFamily="18" charset="0"/>
+              <a:ea typeface="微軟正黑體" pitchFamily="34" charset="-120"/>
+              <a:cs typeface="Times New Roman" pitchFamily="18" charset="0"/>
+            </a:endParaRPr>
           </a:p>
           <a:p>
             <a:pPr algn="ctr">
               <a:buNone/>
             </a:pPr>
             <a:r>
-              <a:rPr lang="zh-CN" altLang="en-US" dirty="0"/>
-              <a:t>还有什么困难不能渡过</a:t>
-            </a:r>
-            <a:endParaRPr lang="zh-TW" altLang="en-US" dirty="0"/>
-          </a:p>
-          <a:p>
-            <a:pPr algn="ctr">
-              <a:buNone/>
-            </a:pPr>
-            <a:r>
-              <a:rPr lang="en-US" dirty="0" err="1"/>
-              <a:t>Còn</a:t>
-            </a:r>
-            <a:r>
-              <a:rPr lang="en-US" dirty="0"/>
-              <a:t> </a:t>
-            </a:r>
-            <a:r>
-              <a:rPr lang="en-US" dirty="0" err="1"/>
-              <a:t>có</a:t>
-            </a:r>
-            <a:r>
-              <a:rPr lang="en-US" dirty="0"/>
-              <a:t> </a:t>
-            </a:r>
-            <a:r>
-              <a:rPr lang="en-US" dirty="0" err="1"/>
-              <a:t>khó</a:t>
-            </a:r>
-            <a:r>
-              <a:rPr lang="en-US" dirty="0"/>
-              <a:t> </a:t>
-            </a:r>
-            <a:r>
-              <a:rPr lang="en-US" dirty="0" err="1"/>
-              <a:t>khăn</a:t>
-            </a:r>
-            <a:r>
-              <a:rPr lang="en-US" dirty="0"/>
-              <a:t> </a:t>
-            </a:r>
-            <a:r>
-              <a:rPr lang="en-US" dirty="0" err="1"/>
-              <a:t>nào</a:t>
-            </a:r>
-            <a:r>
-              <a:rPr lang="en-US" dirty="0"/>
-              <a:t> con </a:t>
-            </a:r>
-            <a:r>
-              <a:rPr lang="en-US" dirty="0" err="1"/>
-              <a:t>không</a:t>
-            </a:r>
-            <a:r>
-              <a:rPr lang="en-US" dirty="0"/>
-              <a:t> </a:t>
-            </a:r>
-            <a:r>
-              <a:rPr lang="en-US" dirty="0" err="1"/>
-              <a:t>thể</a:t>
-            </a:r>
-            <a:r>
-              <a:rPr lang="en-US" dirty="0"/>
-              <a:t> </a:t>
-            </a:r>
-            <a:r>
-              <a:rPr lang="en-US" dirty="0" err="1"/>
-              <a:t>nào</a:t>
-            </a:r>
-            <a:r>
-              <a:rPr lang="en-US" dirty="0"/>
-              <a:t> </a:t>
-            </a:r>
-            <a:r>
-              <a:rPr lang="en-US" dirty="0" err="1"/>
-              <a:t>vượt</a:t>
-            </a:r>
-            <a:r>
-              <a:rPr lang="en-US" dirty="0"/>
-              <a:t> qua</a:t>
-            </a:r>
-            <a:endParaRPr lang="zh-TW" altLang="en-US" dirty="0"/>
-          </a:p>
-          <a:p>
-            <a:pPr algn="ctr">
-              <a:buNone/>
-            </a:pPr>
-            <a:r>
-              <a:rPr lang="zh-CN" altLang="en-US" dirty="0"/>
-              <a:t>想起祢 我的心不再忧愁</a:t>
-            </a:r>
-            <a:endParaRPr lang="zh-TW" altLang="en-US" dirty="0"/>
-          </a:p>
-          <a:p>
-            <a:pPr algn="ctr">
-              <a:buNone/>
-            </a:pPr>
-            <a:r>
-              <a:rPr lang="en-US" dirty="0" err="1"/>
-              <a:t>Nghĩ</a:t>
-            </a:r>
-            <a:r>
-              <a:rPr lang="en-US" dirty="0"/>
-              <a:t> </a:t>
-            </a:r>
-            <a:r>
-              <a:rPr lang="en-US" dirty="0" err="1"/>
-              <a:t>đến</a:t>
-            </a:r>
-            <a:r>
-              <a:rPr lang="en-US" dirty="0"/>
-              <a:t> </a:t>
-            </a:r>
-            <a:r>
-              <a:rPr lang="en-US" dirty="0" err="1" smtClean="0"/>
-              <a:t>Ngài</a:t>
-            </a:r>
-            <a:r>
-              <a:rPr lang="en-US" dirty="0" smtClean="0"/>
-              <a:t> </a:t>
-            </a:r>
-            <a:r>
-              <a:rPr lang="en-US" dirty="0" err="1" smtClean="0"/>
-              <a:t>lòng</a:t>
-            </a:r>
-            <a:r>
-              <a:rPr lang="en-US" dirty="0" smtClean="0"/>
-              <a:t> </a:t>
-            </a:r>
-            <a:r>
-              <a:rPr lang="en-US" dirty="0"/>
-              <a:t>con </a:t>
-            </a:r>
-            <a:r>
-              <a:rPr lang="en-US" dirty="0" err="1"/>
-              <a:t>không</a:t>
-            </a:r>
-            <a:r>
-              <a:rPr lang="en-US" dirty="0"/>
-              <a:t> </a:t>
-            </a:r>
-            <a:r>
-              <a:rPr lang="en-US" dirty="0" err="1"/>
-              <a:t>còn</a:t>
-            </a:r>
-            <a:r>
-              <a:rPr lang="en-US" dirty="0"/>
-              <a:t> </a:t>
-            </a:r>
-            <a:r>
-              <a:rPr lang="vi-VN" dirty="0"/>
-              <a:t>ưu buồn</a:t>
-            </a:r>
-            <a:endParaRPr lang="zh-TW" altLang="en-US" dirty="0"/>
-          </a:p>
-          <a:p>
-            <a:pPr algn="ctr">
-              <a:buNone/>
-            </a:pPr>
-            <a:r>
-              <a:rPr lang="zh-CN" altLang="en-US" dirty="0"/>
-              <a:t>生命窄路有祢陪我</a:t>
-            </a:r>
-            <a:endParaRPr lang="zh-TW" altLang="en-US" dirty="0"/>
-          </a:p>
-          <a:p>
-            <a:pPr algn="ctr">
-              <a:buNone/>
-            </a:pPr>
-            <a:r>
-              <a:rPr lang="en-US" dirty="0"/>
-              <a:t>Đ</a:t>
-            </a:r>
-            <a:r>
-              <a:rPr lang="vi-VN" dirty="0"/>
-              <a:t>ường </a:t>
-            </a:r>
-            <a:r>
-              <a:rPr lang="en-US" dirty="0" err="1"/>
-              <a:t>đời</a:t>
-            </a:r>
-            <a:r>
-              <a:rPr lang="en-US" dirty="0"/>
-              <a:t> </a:t>
-            </a:r>
-            <a:r>
-              <a:rPr lang="en-US" dirty="0" err="1"/>
-              <a:t>chật</a:t>
-            </a:r>
-            <a:r>
-              <a:rPr lang="en-US" dirty="0"/>
-              <a:t> </a:t>
-            </a:r>
-            <a:r>
-              <a:rPr lang="vi-VN" dirty="0"/>
-              <a:t>hẹp</a:t>
-            </a:r>
-            <a:r>
-              <a:rPr lang="en-US" dirty="0"/>
-              <a:t> </a:t>
-            </a:r>
-            <a:r>
-              <a:rPr lang="en-US" dirty="0" err="1"/>
-              <a:t>có</a:t>
-            </a:r>
-            <a:r>
-              <a:rPr lang="en-US" dirty="0"/>
-              <a:t> </a:t>
-            </a:r>
-            <a:r>
-              <a:rPr lang="en-US" dirty="0" err="1"/>
-              <a:t>Ngài</a:t>
-            </a:r>
-            <a:r>
-              <a:rPr lang="en-US" dirty="0"/>
-              <a:t> </a:t>
-            </a:r>
-            <a:r>
-              <a:rPr lang="en-US" dirty="0" err="1"/>
-              <a:t>cùng</a:t>
-            </a:r>
-            <a:r>
-              <a:rPr lang="en-US" dirty="0"/>
-              <a:t> </a:t>
-            </a:r>
-            <a:r>
-              <a:rPr lang="en-US" dirty="0" err="1"/>
-              <a:t>đi</a:t>
-            </a:r>
-            <a:r>
-              <a:rPr lang="en-US" dirty="0"/>
-              <a:t> </a:t>
-            </a:r>
-            <a:endParaRPr lang="zh-TW" altLang="en-US" dirty="0"/>
+              <a:rPr lang="en-US" altLang="en-US" sz="3600" b="1" dirty="0" err="1" smtClean="0">
+                <a:solidFill>
+                  <a:srgbClr val="000066"/>
+                </a:solidFill>
+                <a:latin typeface="Times New Roman" pitchFamily="18" charset="0"/>
+                <a:ea typeface="微軟正黑體" pitchFamily="34" charset="-120"/>
+                <a:cs typeface="Times New Roman" pitchFamily="18" charset="0"/>
+              </a:rPr>
+              <a:t>Là l</a:t>
+            </a:r>
+            <a:r>
+              <a:rPr lang="vi-VN" altLang="en-US" sz="3600" b="1" dirty="0" err="1" smtClean="0">
+                <a:solidFill>
+                  <a:srgbClr val="000066"/>
+                </a:solidFill>
+                <a:latin typeface="Times New Roman" pitchFamily="18" charset="0"/>
+                <a:ea typeface="微軟正黑體" pitchFamily="34" charset="-120"/>
+                <a:cs typeface="Times New Roman" pitchFamily="18" charset="0"/>
+              </a:rPr>
+              <a:t>ời hứa ân điển của Ngài</a:t>
+            </a:r>
+            <a:endParaRPr lang="zh-TW" altLang="en-US" sz="3600" b="1" dirty="0" err="1" smtClean="0">
+              <a:solidFill>
+                <a:srgbClr val="000066"/>
+              </a:solidFill>
+              <a:latin typeface="Times New Roman" pitchFamily="18" charset="0"/>
+              <a:ea typeface="微軟正黑體" pitchFamily="34" charset="-120"/>
+              <a:cs typeface="Times New Roman" pitchFamily="18" charset="0"/>
+            </a:endParaRPr>
           </a:p>
         </p:txBody>
       </p:sp>
@@ -4284,34 +4470,68 @@
           <a:lstStyle/>
           <a:p>
             <a:r>
-              <a:rPr lang="zh-CN" altLang="en-US" sz="3600" dirty="0"/>
-              <a:t>想起祢</a:t>
-            </a:r>
-            <a:r>
-              <a:rPr lang="zh-TW" altLang="en-US" sz="3600" dirty="0"/>
-              <a:t/>
-            </a:r>
-            <a:br>
-              <a:rPr lang="zh-TW" altLang="en-US" sz="3600" dirty="0"/>
-            </a:br>
-            <a:r>
-              <a:rPr lang="en-US" sz="3600" dirty="0" err="1"/>
+              <a:rPr lang="zh-CN" altLang="en-US" sz="3600" b="1" dirty="0" smtClean="0">
+                <a:solidFill>
+                  <a:srgbClr val="000066"/>
+                </a:solidFill>
+                <a:latin typeface="微軟正黑體" pitchFamily="34" charset="-120"/>
+                <a:ea typeface="微軟正黑體" pitchFamily="34" charset="-120"/>
+              </a:rPr>
+              <a:t>想起祢   </a:t>
+            </a:r>
+            <a:r>
+              <a:rPr lang="en-US" sz="3600" b="1" dirty="0" err="1" smtClean="0">
+                <a:solidFill>
+                  <a:srgbClr val="000066"/>
+                </a:solidFill>
+                <a:latin typeface="Times New Roman" pitchFamily="18" charset="0"/>
+                <a:ea typeface="微軟正黑體" pitchFamily="34" charset="-120"/>
+                <a:cs typeface="Times New Roman" pitchFamily="18" charset="0"/>
+              </a:rPr>
               <a:t>Nghĩ</a:t>
             </a:r>
             <a:r>
-              <a:rPr lang="en-US" sz="3600" dirty="0"/>
-              <a:t> </a:t>
-            </a:r>
-            <a:r>
-              <a:rPr lang="en-US" sz="3600" dirty="0" err="1"/>
+              <a:rPr lang="en-US" sz="3600" b="1" dirty="0" smtClean="0">
+                <a:solidFill>
+                  <a:srgbClr val="000066"/>
+                </a:solidFill>
+                <a:latin typeface="Times New Roman" pitchFamily="18" charset="0"/>
+                <a:ea typeface="微軟正黑體" pitchFamily="34" charset="-120"/>
+                <a:cs typeface="Times New Roman" pitchFamily="18" charset="0"/>
+              </a:rPr>
+              <a:t> </a:t>
+            </a:r>
+            <a:r>
+              <a:rPr lang="en-US" sz="3600" b="1" dirty="0" err="1" smtClean="0">
+                <a:solidFill>
+                  <a:srgbClr val="000066"/>
+                </a:solidFill>
+                <a:latin typeface="Times New Roman" pitchFamily="18" charset="0"/>
+                <a:ea typeface="微軟正黑體" pitchFamily="34" charset="-120"/>
+                <a:cs typeface="Times New Roman" pitchFamily="18" charset="0"/>
+              </a:rPr>
               <a:t>đến</a:t>
             </a:r>
             <a:r>
-              <a:rPr lang="en-US" sz="3600" dirty="0"/>
-              <a:t> </a:t>
-            </a:r>
-            <a:r>
-              <a:rPr lang="en-US" sz="3600" dirty="0" err="1" smtClean="0"/>
+              <a:rPr lang="en-US" sz="3600" b="1" dirty="0" smtClean="0">
+                <a:solidFill>
+                  <a:srgbClr val="000066"/>
+                </a:solidFill>
+                <a:latin typeface="Times New Roman" pitchFamily="18" charset="0"/>
+                <a:ea typeface="微軟正黑體" pitchFamily="34" charset="-120"/>
+                <a:cs typeface="Times New Roman" pitchFamily="18" charset="0"/>
+              </a:rPr>
+              <a:t> </a:t>
+            </a:r>
+            <a:r>
+              <a:rPr lang="en-US" sz="3600" b="1" dirty="0" err="1" smtClean="0">
+                <a:solidFill>
+                  <a:srgbClr val="000066"/>
+                </a:solidFill>
+                <a:latin typeface="Times New Roman" pitchFamily="18" charset="0"/>
+                <a:ea typeface="微軟正黑體" pitchFamily="34" charset="-120"/>
+                <a:cs typeface="Times New Roman" pitchFamily="18" charset="0"/>
+              </a:rPr>
               <a:t>Ngài</a:t>
             </a:r>
             <a:endParaRPr lang="zh-TW" altLang="en-US" sz="3600" dirty="0"/>
@@ -4336,6 +4556,1232 @@
         </p:spPr>
         <p:txBody>
           <a:bodyPr>
+            <a:noAutofit/>
+          </a:bodyPr>
+          <a:lstStyle/>
+          <a:p>
+            <a:pPr algn="ctr">
+              <a:buNone/>
+            </a:pPr>
+            <a:r>
+              <a:rPr lang="zh-CN" altLang="en-US" sz="4800" b="1" dirty="0">
+                <a:solidFill>
+                  <a:srgbClr val="000066"/>
+                </a:solidFill>
+                <a:latin typeface="微軟正黑體" pitchFamily="34" charset="-120"/>
+                <a:ea typeface="微軟正黑體" pitchFamily="34" charset="-120"/>
+              </a:rPr>
+              <a:t>每当想起祢 想起祢会帮助我</a:t>
+            </a:r>
+            <a:endParaRPr lang="zh-TW" altLang="en-US" sz="4800" b="1" dirty="0">
+              <a:solidFill>
+                <a:srgbClr val="000066"/>
+              </a:solidFill>
+              <a:latin typeface="微軟正黑體" pitchFamily="34" charset="-120"/>
+              <a:ea typeface="微軟正黑體" pitchFamily="34" charset="-120"/>
+            </a:endParaRPr>
+          </a:p>
+          <a:p>
+            <a:pPr algn="ctr">
+              <a:buNone/>
+            </a:pPr>
+            <a:r>
+              <a:rPr lang="zh-CN" altLang="en-US" sz="4800" b="1" dirty="0" smtClean="0">
+                <a:solidFill>
+                  <a:srgbClr val="000066"/>
+                </a:solidFill>
+                <a:latin typeface="微軟正黑體" pitchFamily="34" charset="-120"/>
+                <a:ea typeface="微軟正黑體" pitchFamily="34" charset="-120"/>
+              </a:rPr>
+              <a:t>还</a:t>
+            </a:r>
+            <a:r>
+              <a:rPr lang="zh-CN" altLang="en-US" sz="4800" b="1" dirty="0">
+                <a:solidFill>
+                  <a:srgbClr val="000066"/>
+                </a:solidFill>
+                <a:latin typeface="微軟正黑體" pitchFamily="34" charset="-120"/>
+                <a:ea typeface="微軟正黑體" pitchFamily="34" charset="-120"/>
+              </a:rPr>
+              <a:t>有什么困难不能渡过</a:t>
+            </a:r>
+            <a:endParaRPr lang="zh-TW" altLang="en-US" sz="4800" b="1" dirty="0">
+              <a:solidFill>
+                <a:srgbClr val="000066"/>
+              </a:solidFill>
+              <a:latin typeface="微軟正黑體" pitchFamily="34" charset="-120"/>
+              <a:ea typeface="微軟正黑體" pitchFamily="34" charset="-120"/>
+            </a:endParaRPr>
+          </a:p>
+          <a:p>
+            <a:pPr algn="ctr">
+              <a:buNone/>
+            </a:pPr>
+            <a:r>
+              <a:rPr lang="en-US" altLang="en-US" sz="3600" b="1" dirty="0" err="1" smtClean="0">
+                <a:solidFill>
+                  <a:srgbClr val="000066"/>
+                </a:solidFill>
+                <a:latin typeface="Times New Roman" pitchFamily="18" charset="0"/>
+                <a:ea typeface="微軟正黑體" pitchFamily="34" charset="-120"/>
+                <a:cs typeface="Times New Roman" pitchFamily="18" charset="0"/>
+              </a:rPr>
+              <a:t>Mỗi</a:t>
+            </a:r>
+            <a:r>
+              <a:rPr lang="en-US" altLang="en-US" sz="3600" b="1" dirty="0" smtClean="0">
+                <a:solidFill>
+                  <a:srgbClr val="000066"/>
+                </a:solidFill>
+                <a:latin typeface="Times New Roman" pitchFamily="18" charset="0"/>
+                <a:ea typeface="微軟正黑體" pitchFamily="34" charset="-120"/>
+                <a:cs typeface="Times New Roman" pitchFamily="18" charset="0"/>
+              </a:rPr>
+              <a:t> </a:t>
+            </a:r>
+            <a:r>
+              <a:rPr lang="en-US" altLang="en-US" sz="3600" b="1" dirty="0" err="1" smtClean="0">
+                <a:solidFill>
+                  <a:srgbClr val="000066"/>
+                </a:solidFill>
+                <a:latin typeface="Times New Roman" pitchFamily="18" charset="0"/>
+                <a:ea typeface="微軟正黑體" pitchFamily="34" charset="-120"/>
+                <a:cs typeface="Times New Roman" pitchFamily="18" charset="0"/>
+              </a:rPr>
+              <a:t>khi</a:t>
+            </a:r>
+            <a:r>
+              <a:rPr lang="en-US" altLang="en-US" sz="3600" b="1" dirty="0" smtClean="0">
+                <a:solidFill>
+                  <a:srgbClr val="000066"/>
+                </a:solidFill>
+                <a:latin typeface="Times New Roman" pitchFamily="18" charset="0"/>
+                <a:ea typeface="微軟正黑體" pitchFamily="34" charset="-120"/>
+                <a:cs typeface="Times New Roman" pitchFamily="18" charset="0"/>
+              </a:rPr>
+              <a:t> con </a:t>
+            </a:r>
+            <a:r>
+              <a:rPr lang="en-US" altLang="en-US" sz="3600" b="1" dirty="0" err="1" smtClean="0">
+                <a:solidFill>
+                  <a:srgbClr val="000066"/>
+                </a:solidFill>
+                <a:latin typeface="Times New Roman" pitchFamily="18" charset="0"/>
+                <a:ea typeface="微軟正黑體" pitchFamily="34" charset="-120"/>
+                <a:cs typeface="Times New Roman" pitchFamily="18" charset="0"/>
+              </a:rPr>
+              <a:t>nghĩ</a:t>
+            </a:r>
+            <a:r>
+              <a:rPr lang="en-US" altLang="en-US" sz="3600" b="1" dirty="0" smtClean="0">
+                <a:solidFill>
+                  <a:srgbClr val="000066"/>
+                </a:solidFill>
+                <a:latin typeface="Times New Roman" pitchFamily="18" charset="0"/>
+                <a:ea typeface="微軟正黑體" pitchFamily="34" charset="-120"/>
+                <a:cs typeface="Times New Roman" pitchFamily="18" charset="0"/>
+              </a:rPr>
+              <a:t> </a:t>
+            </a:r>
+            <a:r>
+              <a:rPr lang="en-US" altLang="en-US" sz="3600" b="1" dirty="0" err="1" smtClean="0">
+                <a:solidFill>
+                  <a:srgbClr val="000066"/>
+                </a:solidFill>
+                <a:latin typeface="Times New Roman" pitchFamily="18" charset="0"/>
+                <a:ea typeface="微軟正黑體" pitchFamily="34" charset="-120"/>
+                <a:cs typeface="Times New Roman" pitchFamily="18" charset="0"/>
+              </a:rPr>
+              <a:t>đến</a:t>
+            </a:r>
+            <a:r>
+              <a:rPr lang="en-US" altLang="en-US" sz="3600" b="1" dirty="0" smtClean="0">
+                <a:solidFill>
+                  <a:srgbClr val="000066"/>
+                </a:solidFill>
+                <a:latin typeface="Times New Roman" pitchFamily="18" charset="0"/>
+                <a:ea typeface="微軟正黑體" pitchFamily="34" charset="-120"/>
+                <a:cs typeface="Times New Roman" pitchFamily="18" charset="0"/>
+              </a:rPr>
+              <a:t> </a:t>
+            </a:r>
+            <a:r>
+              <a:rPr lang="en-US" altLang="en-US" sz="3600" b="1" dirty="0" err="1" smtClean="0">
+                <a:solidFill>
+                  <a:srgbClr val="000066"/>
+                </a:solidFill>
+                <a:latin typeface="Times New Roman" pitchFamily="18" charset="0"/>
+                <a:ea typeface="微軟正黑體" pitchFamily="34" charset="-120"/>
+                <a:cs typeface="Times New Roman" pitchFamily="18" charset="0"/>
+              </a:rPr>
+              <a:t>Ngài</a:t>
+            </a:r>
+            <a:endParaRPr lang="en-US" altLang="en-US" sz="3600" b="1" dirty="0" smtClean="0">
+              <a:solidFill>
+                <a:srgbClr val="000066"/>
+              </a:solidFill>
+              <a:latin typeface="Times New Roman" pitchFamily="18" charset="0"/>
+              <a:ea typeface="微軟正黑體" pitchFamily="34" charset="-120"/>
+              <a:cs typeface="Times New Roman" pitchFamily="18" charset="0"/>
+            </a:endParaRPr>
+          </a:p>
+          <a:p>
+            <a:pPr algn="ctr">
+              <a:buNone/>
+            </a:pPr>
+            <a:r>
+              <a:rPr lang="en-US" altLang="en-US" sz="3600" b="1" dirty="0" err="1" smtClean="0">
+                <a:solidFill>
+                  <a:srgbClr val="000066"/>
+                </a:solidFill>
+                <a:latin typeface="Times New Roman" pitchFamily="18" charset="0"/>
+                <a:ea typeface="微軟正黑體" pitchFamily="34" charset="-120"/>
+                <a:cs typeface="Times New Roman" pitchFamily="18" charset="0"/>
+              </a:rPr>
+              <a:t>nghĩ</a:t>
+            </a:r>
+            <a:r>
+              <a:rPr lang="en-US" altLang="en-US" sz="3600" b="1" dirty="0" smtClean="0">
+                <a:solidFill>
+                  <a:srgbClr val="000066"/>
+                </a:solidFill>
+                <a:latin typeface="Times New Roman" pitchFamily="18" charset="0"/>
+                <a:ea typeface="微軟正黑體" pitchFamily="34" charset="-120"/>
+                <a:cs typeface="Times New Roman" pitchFamily="18" charset="0"/>
+              </a:rPr>
+              <a:t> </a:t>
+            </a:r>
+            <a:r>
+              <a:rPr lang="en-US" altLang="en-US" sz="3600" b="1" dirty="0" err="1" smtClean="0">
+                <a:solidFill>
+                  <a:srgbClr val="000066"/>
+                </a:solidFill>
+                <a:latin typeface="Times New Roman" pitchFamily="18" charset="0"/>
+                <a:ea typeface="微軟正黑體" pitchFamily="34" charset="-120"/>
+                <a:cs typeface="Times New Roman" pitchFamily="18" charset="0"/>
+              </a:rPr>
+              <a:t>đến</a:t>
+            </a:r>
+            <a:r>
+              <a:rPr lang="en-US" altLang="en-US" sz="3600" b="1" dirty="0" smtClean="0">
+                <a:solidFill>
+                  <a:srgbClr val="000066"/>
+                </a:solidFill>
+                <a:latin typeface="Times New Roman" pitchFamily="18" charset="0"/>
+                <a:ea typeface="微軟正黑體" pitchFamily="34" charset="-120"/>
+                <a:cs typeface="Times New Roman" pitchFamily="18" charset="0"/>
+              </a:rPr>
+              <a:t> </a:t>
+            </a:r>
+            <a:r>
+              <a:rPr lang="en-US" altLang="en-US" sz="3600" b="1" dirty="0" err="1" smtClean="0">
+                <a:solidFill>
+                  <a:srgbClr val="000066"/>
+                </a:solidFill>
+                <a:latin typeface="Times New Roman" pitchFamily="18" charset="0"/>
+                <a:ea typeface="微軟正黑體" pitchFamily="34" charset="-120"/>
+                <a:cs typeface="Times New Roman" pitchFamily="18" charset="0"/>
+              </a:rPr>
+              <a:t>Ngài</a:t>
+            </a:r>
+            <a:r>
+              <a:rPr lang="en-US" altLang="en-US" sz="3600" b="1" dirty="0" smtClean="0">
+                <a:solidFill>
+                  <a:srgbClr val="000066"/>
+                </a:solidFill>
+                <a:latin typeface="Times New Roman" pitchFamily="18" charset="0"/>
+                <a:ea typeface="微軟正黑體" pitchFamily="34" charset="-120"/>
+                <a:cs typeface="Times New Roman" pitchFamily="18" charset="0"/>
+              </a:rPr>
+              <a:t> </a:t>
+            </a:r>
+            <a:r>
+              <a:rPr lang="en-US" altLang="en-US" sz="3600" b="1" dirty="0" err="1" smtClean="0">
+                <a:solidFill>
+                  <a:srgbClr val="000066"/>
+                </a:solidFill>
+                <a:latin typeface="Times New Roman" pitchFamily="18" charset="0"/>
+                <a:ea typeface="微軟正黑體" pitchFamily="34" charset="-120"/>
+                <a:cs typeface="Times New Roman" pitchFamily="18" charset="0"/>
+              </a:rPr>
+              <a:t>sẽ</a:t>
+            </a:r>
+            <a:r>
+              <a:rPr lang="en-US" altLang="en-US" sz="3600" b="1" dirty="0" smtClean="0">
+                <a:solidFill>
+                  <a:srgbClr val="000066"/>
+                </a:solidFill>
+                <a:latin typeface="Times New Roman" pitchFamily="18" charset="0"/>
+                <a:ea typeface="微軟正黑體" pitchFamily="34" charset="-120"/>
+                <a:cs typeface="Times New Roman" pitchFamily="18" charset="0"/>
+              </a:rPr>
+              <a:t> </a:t>
+            </a:r>
+            <a:r>
+              <a:rPr lang="en-US" altLang="en-US" sz="3600" b="1" dirty="0" err="1" smtClean="0">
+                <a:solidFill>
+                  <a:srgbClr val="000066"/>
+                </a:solidFill>
+                <a:latin typeface="Times New Roman" pitchFamily="18" charset="0"/>
+                <a:ea typeface="微軟正黑體" pitchFamily="34" charset="-120"/>
+                <a:cs typeface="Times New Roman" pitchFamily="18" charset="0"/>
+              </a:rPr>
+              <a:t>giúp</a:t>
+            </a:r>
+            <a:r>
+              <a:rPr lang="en-US" altLang="en-US" sz="3600" b="1" dirty="0" smtClean="0">
+                <a:solidFill>
+                  <a:srgbClr val="000066"/>
+                </a:solidFill>
+                <a:latin typeface="Times New Roman" pitchFamily="18" charset="0"/>
+                <a:ea typeface="微軟正黑體" pitchFamily="34" charset="-120"/>
+                <a:cs typeface="Times New Roman" pitchFamily="18" charset="0"/>
+              </a:rPr>
+              <a:t> </a:t>
+            </a:r>
+            <a:r>
+              <a:rPr lang="en-US" altLang="en-US" sz="3600" b="1" dirty="0" err="1" smtClean="0">
+                <a:solidFill>
+                  <a:srgbClr val="000066"/>
+                </a:solidFill>
+                <a:latin typeface="Times New Roman" pitchFamily="18" charset="0"/>
+                <a:ea typeface="微軟正黑體" pitchFamily="34" charset="-120"/>
+                <a:cs typeface="Times New Roman" pitchFamily="18" charset="0"/>
+              </a:rPr>
+              <a:t>đỡ</a:t>
+            </a:r>
+            <a:r>
+              <a:rPr lang="en-US" altLang="en-US" sz="3600" b="1" dirty="0" smtClean="0">
+                <a:solidFill>
+                  <a:srgbClr val="000066"/>
+                </a:solidFill>
+                <a:latin typeface="Times New Roman" pitchFamily="18" charset="0"/>
+                <a:ea typeface="微軟正黑體" pitchFamily="34" charset="-120"/>
+                <a:cs typeface="Times New Roman" pitchFamily="18" charset="0"/>
+              </a:rPr>
+              <a:t> </a:t>
+            </a:r>
+            <a:r>
+              <a:rPr lang="en-US" altLang="en-US" sz="3600" b="1" dirty="0" smtClean="0">
+                <a:solidFill>
+                  <a:srgbClr val="000066"/>
+                </a:solidFill>
+                <a:latin typeface="Times New Roman" pitchFamily="18" charset="0"/>
+                <a:ea typeface="微軟正黑體" pitchFamily="34" charset="-120"/>
+                <a:cs typeface="Times New Roman" pitchFamily="18" charset="0"/>
+              </a:rPr>
+              <a:t>con</a:t>
+            </a:r>
+          </a:p>
+          <a:p>
+            <a:pPr algn="ctr">
+              <a:buNone/>
+            </a:pPr>
+            <a:r>
+              <a:rPr lang="en-US" altLang="en-US" sz="3600" b="1" dirty="0" err="1" smtClean="0">
+                <a:solidFill>
+                  <a:srgbClr val="000066"/>
+                </a:solidFill>
+                <a:latin typeface="Times New Roman" pitchFamily="18" charset="0"/>
+                <a:ea typeface="微軟正黑體" pitchFamily="34" charset="-120"/>
+                <a:cs typeface="Times New Roman" pitchFamily="18" charset="0"/>
+              </a:rPr>
+              <a:t>Còn</a:t>
+            </a:r>
+            <a:r>
+              <a:rPr lang="en-US" altLang="en-US" sz="3600" b="1" dirty="0" smtClean="0">
+                <a:solidFill>
+                  <a:srgbClr val="000066"/>
+                </a:solidFill>
+                <a:latin typeface="Times New Roman" pitchFamily="18" charset="0"/>
+                <a:ea typeface="微軟正黑體" pitchFamily="34" charset="-120"/>
+                <a:cs typeface="Times New Roman" pitchFamily="18" charset="0"/>
+              </a:rPr>
+              <a:t> </a:t>
+            </a:r>
+            <a:r>
+              <a:rPr lang="en-US" altLang="en-US" sz="3600" b="1" dirty="0" err="1">
+                <a:solidFill>
+                  <a:srgbClr val="000066"/>
+                </a:solidFill>
+                <a:latin typeface="Times New Roman" pitchFamily="18" charset="0"/>
+                <a:ea typeface="微軟正黑體" pitchFamily="34" charset="-120"/>
+                <a:cs typeface="Times New Roman" pitchFamily="18" charset="0"/>
+              </a:rPr>
+              <a:t>có</a:t>
+            </a:r>
+            <a:r>
+              <a:rPr lang="en-US" altLang="en-US" sz="3600" b="1" dirty="0">
+                <a:solidFill>
+                  <a:srgbClr val="000066"/>
+                </a:solidFill>
+                <a:latin typeface="Times New Roman" pitchFamily="18" charset="0"/>
+                <a:ea typeface="微軟正黑體" pitchFamily="34" charset="-120"/>
+                <a:cs typeface="Times New Roman" pitchFamily="18" charset="0"/>
+              </a:rPr>
+              <a:t> </a:t>
+            </a:r>
+            <a:r>
+              <a:rPr lang="en-US" altLang="en-US" sz="3600" b="1" dirty="0" err="1">
+                <a:solidFill>
+                  <a:srgbClr val="000066"/>
+                </a:solidFill>
+                <a:latin typeface="Times New Roman" pitchFamily="18" charset="0"/>
+                <a:ea typeface="微軟正黑體" pitchFamily="34" charset="-120"/>
+                <a:cs typeface="Times New Roman" pitchFamily="18" charset="0"/>
+              </a:rPr>
+              <a:t>khó</a:t>
+            </a:r>
+            <a:r>
+              <a:rPr lang="en-US" altLang="en-US" sz="3600" b="1" dirty="0">
+                <a:solidFill>
+                  <a:srgbClr val="000066"/>
+                </a:solidFill>
+                <a:latin typeface="Times New Roman" pitchFamily="18" charset="0"/>
+                <a:ea typeface="微軟正黑體" pitchFamily="34" charset="-120"/>
+                <a:cs typeface="Times New Roman" pitchFamily="18" charset="0"/>
+              </a:rPr>
+              <a:t> </a:t>
+            </a:r>
+            <a:r>
+              <a:rPr lang="en-US" altLang="en-US" sz="3600" b="1" dirty="0" err="1">
+                <a:solidFill>
+                  <a:srgbClr val="000066"/>
+                </a:solidFill>
+                <a:latin typeface="Times New Roman" pitchFamily="18" charset="0"/>
+                <a:ea typeface="微軟正黑體" pitchFamily="34" charset="-120"/>
+                <a:cs typeface="Times New Roman" pitchFamily="18" charset="0"/>
+              </a:rPr>
+              <a:t>khăn</a:t>
+            </a:r>
+            <a:r>
+              <a:rPr lang="en-US" altLang="en-US" sz="3600" b="1" dirty="0">
+                <a:solidFill>
+                  <a:srgbClr val="000066"/>
+                </a:solidFill>
+                <a:latin typeface="Times New Roman" pitchFamily="18" charset="0"/>
+                <a:ea typeface="微軟正黑體" pitchFamily="34" charset="-120"/>
+                <a:cs typeface="Times New Roman" pitchFamily="18" charset="0"/>
+              </a:rPr>
+              <a:t> </a:t>
+            </a:r>
+            <a:r>
+              <a:rPr lang="en-US" altLang="en-US" sz="3600" b="1" dirty="0" err="1" smtClean="0">
+                <a:solidFill>
+                  <a:srgbClr val="000066"/>
+                </a:solidFill>
+                <a:latin typeface="Times New Roman" pitchFamily="18" charset="0"/>
+                <a:ea typeface="微軟正黑體" pitchFamily="34" charset="-120"/>
+                <a:cs typeface="Times New Roman" pitchFamily="18" charset="0"/>
+              </a:rPr>
+              <a:t>nào</a:t>
+            </a:r>
+            <a:endParaRPr lang="en-US" altLang="en-US" sz="3600" b="1" dirty="0" smtClean="0">
+              <a:solidFill>
+                <a:srgbClr val="000066"/>
+              </a:solidFill>
+              <a:latin typeface="Times New Roman" pitchFamily="18" charset="0"/>
+              <a:ea typeface="微軟正黑體" pitchFamily="34" charset="-120"/>
+              <a:cs typeface="Times New Roman" pitchFamily="18" charset="0"/>
+            </a:endParaRPr>
+          </a:p>
+          <a:p>
+            <a:pPr algn="ctr">
+              <a:buNone/>
+            </a:pPr>
+            <a:r>
+              <a:rPr lang="en-US" altLang="en-US" sz="3600" b="1" dirty="0" smtClean="0">
+                <a:solidFill>
+                  <a:srgbClr val="000066"/>
+                </a:solidFill>
+                <a:latin typeface="Times New Roman" pitchFamily="18" charset="0"/>
+                <a:ea typeface="微軟正黑體" pitchFamily="34" charset="-120"/>
+                <a:cs typeface="Times New Roman" pitchFamily="18" charset="0"/>
+              </a:rPr>
+              <a:t>Con </a:t>
+            </a:r>
+            <a:r>
+              <a:rPr lang="en-US" altLang="en-US" sz="3600" b="1" dirty="0" err="1">
+                <a:solidFill>
+                  <a:srgbClr val="000066"/>
+                </a:solidFill>
+                <a:latin typeface="Times New Roman" pitchFamily="18" charset="0"/>
+                <a:ea typeface="微軟正黑體" pitchFamily="34" charset="-120"/>
+                <a:cs typeface="Times New Roman" pitchFamily="18" charset="0"/>
+              </a:rPr>
+              <a:t>không</a:t>
+            </a:r>
+            <a:r>
+              <a:rPr lang="en-US" altLang="en-US" sz="3600" b="1" dirty="0">
+                <a:solidFill>
+                  <a:srgbClr val="000066"/>
+                </a:solidFill>
+                <a:latin typeface="Times New Roman" pitchFamily="18" charset="0"/>
+                <a:ea typeface="微軟正黑體" pitchFamily="34" charset="-120"/>
+                <a:cs typeface="Times New Roman" pitchFamily="18" charset="0"/>
+              </a:rPr>
+              <a:t> </a:t>
+            </a:r>
+            <a:r>
+              <a:rPr lang="en-US" altLang="en-US" sz="3600" b="1" dirty="0" err="1">
+                <a:solidFill>
+                  <a:srgbClr val="000066"/>
+                </a:solidFill>
+                <a:latin typeface="Times New Roman" pitchFamily="18" charset="0"/>
+                <a:ea typeface="微軟正黑體" pitchFamily="34" charset="-120"/>
+                <a:cs typeface="Times New Roman" pitchFamily="18" charset="0"/>
+              </a:rPr>
+              <a:t>thể</a:t>
+            </a:r>
+            <a:r>
+              <a:rPr lang="en-US" altLang="en-US" sz="3600" b="1" dirty="0">
+                <a:solidFill>
+                  <a:srgbClr val="000066"/>
+                </a:solidFill>
+                <a:latin typeface="Times New Roman" pitchFamily="18" charset="0"/>
+                <a:ea typeface="微軟正黑體" pitchFamily="34" charset="-120"/>
+                <a:cs typeface="Times New Roman" pitchFamily="18" charset="0"/>
+              </a:rPr>
+              <a:t> </a:t>
+            </a:r>
+            <a:r>
+              <a:rPr lang="en-US" altLang="en-US" sz="3600" b="1" dirty="0" err="1">
+                <a:solidFill>
+                  <a:srgbClr val="000066"/>
+                </a:solidFill>
+                <a:latin typeface="Times New Roman" pitchFamily="18" charset="0"/>
+                <a:ea typeface="微軟正黑體" pitchFamily="34" charset="-120"/>
+                <a:cs typeface="Times New Roman" pitchFamily="18" charset="0"/>
+              </a:rPr>
+              <a:t>nào</a:t>
+            </a:r>
+            <a:r>
+              <a:rPr lang="en-US" altLang="en-US" sz="3600" b="1" dirty="0">
+                <a:solidFill>
+                  <a:srgbClr val="000066"/>
+                </a:solidFill>
+                <a:latin typeface="Times New Roman" pitchFamily="18" charset="0"/>
+                <a:ea typeface="微軟正黑體" pitchFamily="34" charset="-120"/>
+                <a:cs typeface="Times New Roman" pitchFamily="18" charset="0"/>
+              </a:rPr>
+              <a:t> </a:t>
+            </a:r>
+            <a:r>
+              <a:rPr lang="en-US" altLang="en-US" sz="3600" b="1" dirty="0" err="1">
+                <a:solidFill>
+                  <a:srgbClr val="000066"/>
+                </a:solidFill>
+                <a:latin typeface="Times New Roman" pitchFamily="18" charset="0"/>
+                <a:ea typeface="微軟正黑體" pitchFamily="34" charset="-120"/>
+                <a:cs typeface="Times New Roman" pitchFamily="18" charset="0"/>
+              </a:rPr>
+              <a:t>vượt</a:t>
+            </a:r>
+            <a:r>
+              <a:rPr lang="en-US" altLang="en-US" sz="3600" b="1" dirty="0">
+                <a:solidFill>
+                  <a:srgbClr val="000066"/>
+                </a:solidFill>
+                <a:latin typeface="Times New Roman" pitchFamily="18" charset="0"/>
+                <a:ea typeface="微軟正黑體" pitchFamily="34" charset="-120"/>
+                <a:cs typeface="Times New Roman" pitchFamily="18" charset="0"/>
+              </a:rPr>
+              <a:t> </a:t>
+            </a:r>
+            <a:r>
+              <a:rPr lang="en-US" altLang="en-US" sz="3600" b="1" dirty="0" smtClean="0">
+                <a:solidFill>
+                  <a:srgbClr val="000066"/>
+                </a:solidFill>
+                <a:latin typeface="Times New Roman" pitchFamily="18" charset="0"/>
+                <a:ea typeface="微軟正黑體" pitchFamily="34" charset="-120"/>
+                <a:cs typeface="Times New Roman" pitchFamily="18" charset="0"/>
+              </a:rPr>
+              <a:t>qua</a:t>
+            </a:r>
+            <a:endParaRPr lang="zh-TW" altLang="en-US" sz="3600" b="1" dirty="0">
+              <a:solidFill>
+                <a:srgbClr val="000066"/>
+              </a:solidFill>
+              <a:latin typeface="Times New Roman" pitchFamily="18" charset="0"/>
+              <a:ea typeface="微軟正黑體" pitchFamily="34" charset="-120"/>
+              <a:cs typeface="Times New Roman" pitchFamily="18" charset="0"/>
+            </a:endParaRPr>
+          </a:p>
+        </p:txBody>
+      </p:sp>
+    </p:spTree>
+  </p:cSld>
+  <p:clrMapOvr>
+    <a:masterClrMapping/>
+  </p:clrMapOvr>
+</p:sld>
+</file>
+
+<file path=ppt/slides/slide4.xml><?xml version="1.0" encoding="utf-8"?>
+<p:sld xmlns:a="http://schemas.openxmlformats.org/drawingml/2006/main" xmlns:r="http://schemas.openxmlformats.org/officeDocument/2006/relationships" xmlns:p="http://schemas.openxmlformats.org/presentationml/2006/main">
+  <p:cSld>
+    <p:spTree>
+      <p:nvGrpSpPr>
+        <p:cNvPr id="1" name=""/>
+        <p:cNvGrpSpPr/>
+        <p:nvPr/>
+      </p:nvGrpSpPr>
+      <p:grpSpPr>
+        <a:xfrm>
+          <a:off x="0" y="0"/>
+          <a:ext cx="0" cy="0"/>
+          <a:chOff x="0" y="0"/>
+          <a:chExt cx="0" cy="0"/>
+        </a:xfrm>
+      </p:grpSpPr>
+      <p:sp>
+        <p:nvSpPr>
+          <p:cNvPr id="4" name="標題 3"/>
+          <p:cNvSpPr>
+            <a:spLocks noGrp="1"/>
+          </p:cNvSpPr>
+          <p:nvPr>
+            <p:ph type="title"/>
+          </p:nvPr>
+        </p:nvSpPr>
+        <p:spPr/>
+        <p:txBody>
+          <a:bodyPr>
+            <a:noAutofit/>
+          </a:bodyPr>
+          <a:lstStyle/>
+          <a:p>
+            <a:r>
+              <a:rPr lang="zh-CN" altLang="en-US" sz="3600" b="1" dirty="0" smtClean="0">
+                <a:solidFill>
+                  <a:srgbClr val="000066"/>
+                </a:solidFill>
+                <a:latin typeface="微軟正黑體" pitchFamily="34" charset="-120"/>
+                <a:ea typeface="微軟正黑體" pitchFamily="34" charset="-120"/>
+              </a:rPr>
+              <a:t>想起祢   </a:t>
+            </a:r>
+            <a:r>
+              <a:rPr lang="en-US" sz="3600" b="1" dirty="0" err="1" smtClean="0">
+                <a:solidFill>
+                  <a:srgbClr val="000066"/>
+                </a:solidFill>
+                <a:latin typeface="Times New Roman" pitchFamily="18" charset="0"/>
+                <a:ea typeface="微軟正黑體" pitchFamily="34" charset="-120"/>
+                <a:cs typeface="Times New Roman" pitchFamily="18" charset="0"/>
+              </a:rPr>
+              <a:t>Nghĩ</a:t>
+            </a:r>
+            <a:r>
+              <a:rPr lang="en-US" sz="3600" b="1" dirty="0" smtClean="0">
+                <a:solidFill>
+                  <a:srgbClr val="000066"/>
+                </a:solidFill>
+                <a:latin typeface="Times New Roman" pitchFamily="18" charset="0"/>
+                <a:ea typeface="微軟正黑體" pitchFamily="34" charset="-120"/>
+                <a:cs typeface="Times New Roman" pitchFamily="18" charset="0"/>
+              </a:rPr>
+              <a:t> </a:t>
+            </a:r>
+            <a:r>
+              <a:rPr lang="en-US" sz="3600" b="1" dirty="0" err="1" smtClean="0">
+                <a:solidFill>
+                  <a:srgbClr val="000066"/>
+                </a:solidFill>
+                <a:latin typeface="Times New Roman" pitchFamily="18" charset="0"/>
+                <a:ea typeface="微軟正黑體" pitchFamily="34" charset="-120"/>
+                <a:cs typeface="Times New Roman" pitchFamily="18" charset="0"/>
+              </a:rPr>
+              <a:t>đến</a:t>
+            </a:r>
+            <a:r>
+              <a:rPr lang="en-US" sz="3600" b="1" dirty="0" smtClean="0">
+                <a:solidFill>
+                  <a:srgbClr val="000066"/>
+                </a:solidFill>
+                <a:latin typeface="Times New Roman" pitchFamily="18" charset="0"/>
+                <a:ea typeface="微軟正黑體" pitchFamily="34" charset="-120"/>
+                <a:cs typeface="Times New Roman" pitchFamily="18" charset="0"/>
+              </a:rPr>
+              <a:t> </a:t>
+            </a:r>
+            <a:r>
+              <a:rPr lang="en-US" sz="3600" b="1" dirty="0" err="1" smtClean="0">
+                <a:solidFill>
+                  <a:srgbClr val="000066"/>
+                </a:solidFill>
+                <a:latin typeface="Times New Roman" pitchFamily="18" charset="0"/>
+                <a:ea typeface="微軟正黑體" pitchFamily="34" charset="-120"/>
+                <a:cs typeface="Times New Roman" pitchFamily="18" charset="0"/>
+              </a:rPr>
+              <a:t>Ngài</a:t>
+            </a:r>
+            <a:endParaRPr lang="zh-TW" altLang="en-US" sz="3600" dirty="0"/>
+          </a:p>
+        </p:txBody>
+      </p:sp>
+      <p:sp>
+        <p:nvSpPr>
+          <p:cNvPr id="5" name="內容版面配置區 4"/>
+          <p:cNvSpPr>
+            <a:spLocks noGrp="1"/>
+          </p:cNvSpPr>
+          <p:nvPr>
+            <p:ph idx="1"/>
+          </p:nvPr>
+        </p:nvSpPr>
+        <p:spPr>
+          <a:xfrm>
+            <a:off x="0" y="1600200"/>
+            <a:ext cx="9144000" cy="5257800"/>
+          </a:xfrm>
+        </p:spPr>
+        <p:txBody>
+          <a:bodyPr>
+            <a:noAutofit/>
+          </a:bodyPr>
+          <a:lstStyle/>
+          <a:p>
+            <a:pPr algn="ctr">
+              <a:buNone/>
+            </a:pPr>
+            <a:r>
+              <a:rPr lang="zh-CN" altLang="en-US" sz="4800" b="1" dirty="0" smtClean="0">
+                <a:solidFill>
+                  <a:srgbClr val="000066"/>
+                </a:solidFill>
+                <a:latin typeface="微軟正黑體" pitchFamily="34" charset="-120"/>
+                <a:ea typeface="微軟正黑體" pitchFamily="34" charset="-120"/>
+              </a:rPr>
+              <a:t>想起祢 我的心不再忧愁</a:t>
+            </a:r>
+            <a:endParaRPr lang="zh-TW" altLang="en-US" sz="4800" b="1" dirty="0" smtClean="0">
+              <a:solidFill>
+                <a:srgbClr val="000066"/>
+              </a:solidFill>
+              <a:latin typeface="微軟正黑體" pitchFamily="34" charset="-120"/>
+              <a:ea typeface="微軟正黑體" pitchFamily="34" charset="-120"/>
+            </a:endParaRPr>
+          </a:p>
+          <a:p>
+            <a:pPr algn="ctr">
+              <a:buNone/>
+            </a:pPr>
+            <a:r>
+              <a:rPr lang="zh-CN" altLang="en-US" sz="4800" b="1" dirty="0" smtClean="0">
+                <a:solidFill>
+                  <a:srgbClr val="000066"/>
+                </a:solidFill>
+                <a:latin typeface="微軟正黑體" pitchFamily="34" charset="-120"/>
+                <a:ea typeface="微軟正黑體" pitchFamily="34" charset="-120"/>
+              </a:rPr>
+              <a:t>生命</a:t>
+            </a:r>
+            <a:r>
+              <a:rPr lang="zh-CN" altLang="en-US" sz="4800" b="1" dirty="0" smtClean="0">
+                <a:solidFill>
+                  <a:srgbClr val="000066"/>
+                </a:solidFill>
+                <a:latin typeface="微軟正黑體" pitchFamily="34" charset="-120"/>
+                <a:ea typeface="微軟正黑體" pitchFamily="34" charset="-120"/>
+              </a:rPr>
+              <a:t>窄路有祢陪</a:t>
+            </a:r>
+            <a:r>
+              <a:rPr lang="zh-CN" altLang="en-US" sz="4800" b="1" dirty="0" smtClean="0">
+                <a:solidFill>
+                  <a:srgbClr val="000066"/>
+                </a:solidFill>
+                <a:latin typeface="微軟正黑體" pitchFamily="34" charset="-120"/>
+                <a:ea typeface="微軟正黑體" pitchFamily="34" charset="-120"/>
+              </a:rPr>
+              <a:t>我</a:t>
+            </a:r>
+            <a:endParaRPr lang="en-US" altLang="zh-CN" sz="4800" b="1" dirty="0" smtClean="0">
+              <a:solidFill>
+                <a:srgbClr val="000066"/>
+              </a:solidFill>
+              <a:latin typeface="微軟正黑體" pitchFamily="34" charset="-120"/>
+              <a:ea typeface="微軟正黑體" pitchFamily="34" charset="-120"/>
+            </a:endParaRPr>
+          </a:p>
+          <a:p>
+            <a:pPr algn="ctr">
+              <a:buNone/>
+            </a:pPr>
+            <a:r>
+              <a:rPr lang="en-US" altLang="en-US" sz="3600" b="1" dirty="0" err="1" smtClean="0">
+                <a:solidFill>
+                  <a:srgbClr val="000066"/>
+                </a:solidFill>
+                <a:latin typeface="Times New Roman" pitchFamily="18" charset="0"/>
+                <a:ea typeface="微軟正黑體" pitchFamily="34" charset="-120"/>
+                <a:cs typeface="Times New Roman" pitchFamily="18" charset="0"/>
+              </a:rPr>
+              <a:t>Nghĩ</a:t>
+            </a:r>
+            <a:r>
+              <a:rPr lang="en-US" altLang="en-US" sz="3600" b="1" dirty="0" smtClean="0">
+                <a:solidFill>
+                  <a:srgbClr val="000066"/>
+                </a:solidFill>
+                <a:latin typeface="Times New Roman" pitchFamily="18" charset="0"/>
+                <a:ea typeface="微軟正黑體" pitchFamily="34" charset="-120"/>
+                <a:cs typeface="Times New Roman" pitchFamily="18" charset="0"/>
+              </a:rPr>
+              <a:t> </a:t>
+            </a:r>
+            <a:r>
+              <a:rPr lang="en-US" altLang="en-US" sz="3600" b="1" dirty="0" err="1" smtClean="0">
+                <a:solidFill>
+                  <a:srgbClr val="000066"/>
+                </a:solidFill>
+                <a:latin typeface="Times New Roman" pitchFamily="18" charset="0"/>
+                <a:ea typeface="微軟正黑體" pitchFamily="34" charset="-120"/>
+                <a:cs typeface="Times New Roman" pitchFamily="18" charset="0"/>
+              </a:rPr>
+              <a:t>đến</a:t>
+            </a:r>
+            <a:r>
+              <a:rPr lang="en-US" altLang="en-US" sz="3600" b="1" dirty="0" smtClean="0">
+                <a:solidFill>
+                  <a:srgbClr val="000066"/>
+                </a:solidFill>
+                <a:latin typeface="Times New Roman" pitchFamily="18" charset="0"/>
+                <a:ea typeface="微軟正黑體" pitchFamily="34" charset="-120"/>
+                <a:cs typeface="Times New Roman" pitchFamily="18" charset="0"/>
+              </a:rPr>
+              <a:t> </a:t>
+            </a:r>
+            <a:r>
+              <a:rPr lang="en-US" altLang="en-US" sz="3600" b="1" dirty="0" err="1" smtClean="0">
+                <a:solidFill>
+                  <a:srgbClr val="000066"/>
+                </a:solidFill>
+                <a:latin typeface="Times New Roman" pitchFamily="18" charset="0"/>
+                <a:ea typeface="微軟正黑體" pitchFamily="34" charset="-120"/>
+                <a:cs typeface="Times New Roman" pitchFamily="18" charset="0"/>
+              </a:rPr>
+              <a:t>Ngài</a:t>
+            </a:r>
+            <a:r>
+              <a:rPr lang="en-US" altLang="en-US" sz="3600" b="1" dirty="0" smtClean="0">
+                <a:solidFill>
+                  <a:srgbClr val="000066"/>
+                </a:solidFill>
+                <a:latin typeface="Times New Roman" pitchFamily="18" charset="0"/>
+                <a:ea typeface="微軟正黑體" pitchFamily="34" charset="-120"/>
+                <a:cs typeface="Times New Roman" pitchFamily="18" charset="0"/>
+              </a:rPr>
+              <a:t> </a:t>
+            </a:r>
+            <a:r>
+              <a:rPr lang="en-US" altLang="en-US" sz="3600" b="1" dirty="0" err="1" smtClean="0">
+                <a:solidFill>
+                  <a:srgbClr val="000066"/>
+                </a:solidFill>
+                <a:latin typeface="Times New Roman" pitchFamily="18" charset="0"/>
+                <a:ea typeface="微軟正黑體" pitchFamily="34" charset="-120"/>
+                <a:cs typeface="Times New Roman" pitchFamily="18" charset="0"/>
+              </a:rPr>
+              <a:t>lòng</a:t>
+            </a:r>
+            <a:r>
+              <a:rPr lang="en-US" altLang="en-US" sz="3600" b="1" dirty="0" smtClean="0">
+                <a:solidFill>
+                  <a:srgbClr val="000066"/>
+                </a:solidFill>
+                <a:latin typeface="Times New Roman" pitchFamily="18" charset="0"/>
+                <a:ea typeface="微軟正黑體" pitchFamily="34" charset="-120"/>
+                <a:cs typeface="Times New Roman" pitchFamily="18" charset="0"/>
+              </a:rPr>
+              <a:t> con </a:t>
+            </a:r>
+            <a:r>
+              <a:rPr lang="en-US" altLang="en-US" sz="3600" b="1" dirty="0" err="1" smtClean="0">
+                <a:solidFill>
+                  <a:srgbClr val="000066"/>
+                </a:solidFill>
+                <a:latin typeface="Times New Roman" pitchFamily="18" charset="0"/>
+                <a:ea typeface="微軟正黑體" pitchFamily="34" charset="-120"/>
+                <a:cs typeface="Times New Roman" pitchFamily="18" charset="0"/>
+              </a:rPr>
+              <a:t>không</a:t>
+            </a:r>
+            <a:r>
+              <a:rPr lang="en-US" altLang="en-US" sz="3600" b="1" dirty="0" smtClean="0">
+                <a:solidFill>
+                  <a:srgbClr val="000066"/>
+                </a:solidFill>
+                <a:latin typeface="Times New Roman" pitchFamily="18" charset="0"/>
+                <a:ea typeface="微軟正黑體" pitchFamily="34" charset="-120"/>
+                <a:cs typeface="Times New Roman" pitchFamily="18" charset="0"/>
+              </a:rPr>
+              <a:t> </a:t>
+            </a:r>
+            <a:r>
+              <a:rPr lang="en-US" altLang="en-US" sz="3600" b="1" dirty="0" err="1" smtClean="0">
+                <a:solidFill>
+                  <a:srgbClr val="000066"/>
+                </a:solidFill>
+                <a:latin typeface="Times New Roman" pitchFamily="18" charset="0"/>
+                <a:ea typeface="微軟正黑體" pitchFamily="34" charset="-120"/>
+                <a:cs typeface="Times New Roman" pitchFamily="18" charset="0"/>
+              </a:rPr>
+              <a:t>còn</a:t>
+            </a:r>
+            <a:r>
+              <a:rPr lang="en-US" altLang="en-US" sz="3600" b="1" dirty="0" smtClean="0">
+                <a:solidFill>
+                  <a:srgbClr val="000066"/>
+                </a:solidFill>
+                <a:latin typeface="Times New Roman" pitchFamily="18" charset="0"/>
+                <a:ea typeface="微軟正黑體" pitchFamily="34" charset="-120"/>
+                <a:cs typeface="Times New Roman" pitchFamily="18" charset="0"/>
+              </a:rPr>
+              <a:t> </a:t>
+            </a:r>
+            <a:r>
+              <a:rPr lang="vi-VN" altLang="en-US" sz="3600" b="1" dirty="0" smtClean="0">
+                <a:solidFill>
+                  <a:srgbClr val="000066"/>
+                </a:solidFill>
+                <a:latin typeface="Times New Roman" pitchFamily="18" charset="0"/>
+                <a:ea typeface="微軟正黑體" pitchFamily="34" charset="-120"/>
+                <a:cs typeface="Times New Roman" pitchFamily="18" charset="0"/>
+              </a:rPr>
+              <a:t>ưu </a:t>
+            </a:r>
+            <a:r>
+              <a:rPr lang="vi-VN" altLang="en-US" sz="3600" b="1" dirty="0" smtClean="0">
+                <a:solidFill>
+                  <a:srgbClr val="000066"/>
+                </a:solidFill>
+                <a:latin typeface="Times New Roman" pitchFamily="18" charset="0"/>
+                <a:ea typeface="微軟正黑體" pitchFamily="34" charset="-120"/>
+                <a:cs typeface="Times New Roman" pitchFamily="18" charset="0"/>
+              </a:rPr>
+              <a:t>buồn</a:t>
+            </a:r>
+            <a:endParaRPr lang="zh-TW" altLang="en-US" sz="3600" b="1" dirty="0" smtClean="0">
+              <a:solidFill>
+                <a:srgbClr val="000066"/>
+              </a:solidFill>
+              <a:latin typeface="Times New Roman" pitchFamily="18" charset="0"/>
+              <a:ea typeface="微軟正黑體" pitchFamily="34" charset="-120"/>
+              <a:cs typeface="Times New Roman" pitchFamily="18" charset="0"/>
+            </a:endParaRPr>
+          </a:p>
+          <a:p>
+            <a:pPr algn="ctr">
+              <a:buNone/>
+            </a:pPr>
+            <a:r>
+              <a:rPr lang="en-US" altLang="en-US" sz="3600" b="1" dirty="0" smtClean="0">
+                <a:solidFill>
+                  <a:srgbClr val="000066"/>
+                </a:solidFill>
+                <a:latin typeface="Times New Roman" pitchFamily="18" charset="0"/>
+                <a:ea typeface="微軟正黑體" pitchFamily="34" charset="-120"/>
+                <a:cs typeface="Times New Roman" pitchFamily="18" charset="0"/>
+              </a:rPr>
+              <a:t>Đ</a:t>
+            </a:r>
+            <a:r>
+              <a:rPr lang="vi-VN" altLang="en-US" sz="3600" b="1" dirty="0" smtClean="0">
+                <a:solidFill>
+                  <a:srgbClr val="000066"/>
+                </a:solidFill>
+                <a:latin typeface="Times New Roman" pitchFamily="18" charset="0"/>
+                <a:ea typeface="微軟正黑體" pitchFamily="34" charset="-120"/>
+                <a:cs typeface="Times New Roman" pitchFamily="18" charset="0"/>
+              </a:rPr>
+              <a:t>ường </a:t>
+            </a:r>
+            <a:r>
+              <a:rPr lang="en-US" altLang="en-US" sz="3600" b="1" dirty="0" err="1" smtClean="0">
+                <a:solidFill>
+                  <a:srgbClr val="000066"/>
+                </a:solidFill>
+                <a:latin typeface="Times New Roman" pitchFamily="18" charset="0"/>
+                <a:ea typeface="微軟正黑體" pitchFamily="34" charset="-120"/>
+                <a:cs typeface="Times New Roman" pitchFamily="18" charset="0"/>
+              </a:rPr>
+              <a:t>đời</a:t>
+            </a:r>
+            <a:r>
+              <a:rPr lang="en-US" altLang="en-US" sz="3600" b="1" dirty="0" smtClean="0">
+                <a:solidFill>
+                  <a:srgbClr val="000066"/>
+                </a:solidFill>
+                <a:latin typeface="Times New Roman" pitchFamily="18" charset="0"/>
+                <a:ea typeface="微軟正黑體" pitchFamily="34" charset="-120"/>
+                <a:cs typeface="Times New Roman" pitchFamily="18" charset="0"/>
+              </a:rPr>
+              <a:t> </a:t>
+            </a:r>
+            <a:r>
+              <a:rPr lang="en-US" altLang="en-US" sz="3600" b="1" dirty="0" err="1" smtClean="0">
+                <a:solidFill>
+                  <a:srgbClr val="000066"/>
+                </a:solidFill>
+                <a:latin typeface="Times New Roman" pitchFamily="18" charset="0"/>
+                <a:ea typeface="微軟正黑體" pitchFamily="34" charset="-120"/>
+                <a:cs typeface="Times New Roman" pitchFamily="18" charset="0"/>
+              </a:rPr>
+              <a:t>chật</a:t>
+            </a:r>
+            <a:r>
+              <a:rPr lang="en-US" altLang="en-US" sz="3600" b="1" dirty="0" smtClean="0">
+                <a:solidFill>
+                  <a:srgbClr val="000066"/>
+                </a:solidFill>
+                <a:latin typeface="Times New Roman" pitchFamily="18" charset="0"/>
+                <a:ea typeface="微軟正黑體" pitchFamily="34" charset="-120"/>
+                <a:cs typeface="Times New Roman" pitchFamily="18" charset="0"/>
+              </a:rPr>
+              <a:t> </a:t>
+            </a:r>
+            <a:r>
+              <a:rPr lang="vi-VN" altLang="en-US" sz="3600" b="1" dirty="0" smtClean="0">
+                <a:solidFill>
+                  <a:srgbClr val="000066"/>
+                </a:solidFill>
+                <a:latin typeface="Times New Roman" pitchFamily="18" charset="0"/>
+                <a:ea typeface="微軟正黑體" pitchFamily="34" charset="-120"/>
+                <a:cs typeface="Times New Roman" pitchFamily="18" charset="0"/>
+              </a:rPr>
+              <a:t>hẹp</a:t>
+            </a:r>
+            <a:r>
+              <a:rPr lang="en-US" altLang="en-US" sz="3600" b="1" dirty="0" smtClean="0">
+                <a:solidFill>
+                  <a:srgbClr val="000066"/>
+                </a:solidFill>
+                <a:latin typeface="Times New Roman" pitchFamily="18" charset="0"/>
+                <a:ea typeface="微軟正黑體" pitchFamily="34" charset="-120"/>
+                <a:cs typeface="Times New Roman" pitchFamily="18" charset="0"/>
+              </a:rPr>
+              <a:t> </a:t>
+            </a:r>
+            <a:r>
+              <a:rPr lang="en-US" altLang="en-US" sz="3600" b="1" dirty="0" err="1" smtClean="0">
+                <a:solidFill>
+                  <a:srgbClr val="000066"/>
+                </a:solidFill>
+                <a:latin typeface="Times New Roman" pitchFamily="18" charset="0"/>
+                <a:ea typeface="微軟正黑體" pitchFamily="34" charset="-120"/>
+                <a:cs typeface="Times New Roman" pitchFamily="18" charset="0"/>
+              </a:rPr>
+              <a:t>có</a:t>
+            </a:r>
+            <a:r>
+              <a:rPr lang="en-US" altLang="en-US" sz="3600" b="1" dirty="0" smtClean="0">
+                <a:solidFill>
+                  <a:srgbClr val="000066"/>
+                </a:solidFill>
+                <a:latin typeface="Times New Roman" pitchFamily="18" charset="0"/>
+                <a:ea typeface="微軟正黑體" pitchFamily="34" charset="-120"/>
+                <a:cs typeface="Times New Roman" pitchFamily="18" charset="0"/>
+              </a:rPr>
+              <a:t> </a:t>
+            </a:r>
+            <a:r>
+              <a:rPr lang="en-US" altLang="en-US" sz="3600" b="1" dirty="0" err="1" smtClean="0">
+                <a:solidFill>
+                  <a:srgbClr val="000066"/>
+                </a:solidFill>
+                <a:latin typeface="Times New Roman" pitchFamily="18" charset="0"/>
+                <a:ea typeface="微軟正黑體" pitchFamily="34" charset="-120"/>
+                <a:cs typeface="Times New Roman" pitchFamily="18" charset="0"/>
+              </a:rPr>
+              <a:t>Ngài</a:t>
+            </a:r>
+            <a:r>
+              <a:rPr lang="en-US" altLang="en-US" sz="3600" b="1" dirty="0" smtClean="0">
+                <a:solidFill>
+                  <a:srgbClr val="000066"/>
+                </a:solidFill>
+                <a:latin typeface="Times New Roman" pitchFamily="18" charset="0"/>
+                <a:ea typeface="微軟正黑體" pitchFamily="34" charset="-120"/>
+                <a:cs typeface="Times New Roman" pitchFamily="18" charset="0"/>
+              </a:rPr>
+              <a:t> </a:t>
+            </a:r>
+            <a:r>
+              <a:rPr lang="en-US" altLang="en-US" sz="3600" b="1" dirty="0" err="1" smtClean="0">
+                <a:solidFill>
+                  <a:srgbClr val="000066"/>
+                </a:solidFill>
+                <a:latin typeface="Times New Roman" pitchFamily="18" charset="0"/>
+                <a:ea typeface="微軟正黑體" pitchFamily="34" charset="-120"/>
+                <a:cs typeface="Times New Roman" pitchFamily="18" charset="0"/>
+              </a:rPr>
+              <a:t>cùng</a:t>
+            </a:r>
+            <a:r>
+              <a:rPr lang="en-US" altLang="en-US" sz="3600" b="1" dirty="0" smtClean="0">
+                <a:solidFill>
+                  <a:srgbClr val="000066"/>
+                </a:solidFill>
+                <a:latin typeface="Times New Roman" pitchFamily="18" charset="0"/>
+                <a:ea typeface="微軟正黑體" pitchFamily="34" charset="-120"/>
+                <a:cs typeface="Times New Roman" pitchFamily="18" charset="0"/>
+              </a:rPr>
+              <a:t> </a:t>
+            </a:r>
+            <a:r>
+              <a:rPr lang="en-US" altLang="en-US" sz="3600" b="1" dirty="0" err="1" smtClean="0">
+                <a:solidFill>
+                  <a:srgbClr val="000066"/>
+                </a:solidFill>
+                <a:latin typeface="Times New Roman" pitchFamily="18" charset="0"/>
+                <a:ea typeface="微軟正黑體" pitchFamily="34" charset="-120"/>
+                <a:cs typeface="Times New Roman" pitchFamily="18" charset="0"/>
+              </a:rPr>
+              <a:t>đi</a:t>
+            </a:r>
+            <a:endParaRPr lang="zh-TW" altLang="en-US" sz="3600" b="1" dirty="0">
+              <a:solidFill>
+                <a:srgbClr val="000066"/>
+              </a:solidFill>
+              <a:latin typeface="Times New Roman" pitchFamily="18" charset="0"/>
+              <a:ea typeface="微軟正黑體" pitchFamily="34" charset="-120"/>
+              <a:cs typeface="Times New Roman" pitchFamily="18" charset="0"/>
+            </a:endParaRPr>
+          </a:p>
+        </p:txBody>
+      </p:sp>
+    </p:spTree>
+  </p:cSld>
+  <p:clrMapOvr>
+    <a:masterClrMapping/>
+  </p:clrMapOvr>
+</p:sld>
+</file>
+
+<file path=ppt/slides/slide5.xml><?xml version="1.0" encoding="utf-8"?>
+<p:sld xmlns:a="http://schemas.openxmlformats.org/drawingml/2006/main" xmlns:r="http://schemas.openxmlformats.org/officeDocument/2006/relationships" xmlns:p="http://schemas.openxmlformats.org/presentationml/2006/main">
+  <p:cSld>
+    <p:spTree>
+      <p:nvGrpSpPr>
+        <p:cNvPr id="1" name=""/>
+        <p:cNvGrpSpPr/>
+        <p:nvPr/>
+      </p:nvGrpSpPr>
+      <p:grpSpPr>
+        <a:xfrm>
+          <a:off x="0" y="0"/>
+          <a:ext cx="0" cy="0"/>
+          <a:chOff x="0" y="0"/>
+          <a:chExt cx="0" cy="0"/>
+        </a:xfrm>
+      </p:grpSpPr>
+      <p:sp>
+        <p:nvSpPr>
+          <p:cNvPr id="4" name="標題 3"/>
+          <p:cNvSpPr>
+            <a:spLocks noGrp="1"/>
+          </p:cNvSpPr>
+          <p:nvPr>
+            <p:ph type="title"/>
+          </p:nvPr>
+        </p:nvSpPr>
+        <p:spPr/>
+        <p:txBody>
+          <a:bodyPr>
+            <a:noAutofit/>
+          </a:bodyPr>
+          <a:lstStyle/>
+          <a:p>
+            <a:r>
+              <a:rPr lang="zh-CN" altLang="en-US" sz="3600" b="1" dirty="0" smtClean="0">
+                <a:solidFill>
+                  <a:srgbClr val="000066"/>
+                </a:solidFill>
+                <a:latin typeface="微軟正黑體" pitchFamily="34" charset="-120"/>
+                <a:ea typeface="微軟正黑體" pitchFamily="34" charset="-120"/>
+              </a:rPr>
+              <a:t>想起祢   </a:t>
+            </a:r>
+            <a:r>
+              <a:rPr lang="en-US" sz="3600" b="1" dirty="0" err="1" smtClean="0">
+                <a:solidFill>
+                  <a:srgbClr val="000066"/>
+                </a:solidFill>
+                <a:latin typeface="Times New Roman" pitchFamily="18" charset="0"/>
+                <a:ea typeface="微軟正黑體" pitchFamily="34" charset="-120"/>
+                <a:cs typeface="Times New Roman" pitchFamily="18" charset="0"/>
+              </a:rPr>
+              <a:t>Nghĩ</a:t>
+            </a:r>
+            <a:r>
+              <a:rPr lang="en-US" sz="3600" b="1" dirty="0" smtClean="0">
+                <a:solidFill>
+                  <a:srgbClr val="000066"/>
+                </a:solidFill>
+                <a:latin typeface="Times New Roman" pitchFamily="18" charset="0"/>
+                <a:ea typeface="微軟正黑體" pitchFamily="34" charset="-120"/>
+                <a:cs typeface="Times New Roman" pitchFamily="18" charset="0"/>
+              </a:rPr>
+              <a:t> </a:t>
+            </a:r>
+            <a:r>
+              <a:rPr lang="en-US" sz="3600" b="1" dirty="0" err="1" smtClean="0">
+                <a:solidFill>
+                  <a:srgbClr val="000066"/>
+                </a:solidFill>
+                <a:latin typeface="Times New Roman" pitchFamily="18" charset="0"/>
+                <a:ea typeface="微軟正黑體" pitchFamily="34" charset="-120"/>
+                <a:cs typeface="Times New Roman" pitchFamily="18" charset="0"/>
+              </a:rPr>
+              <a:t>đến</a:t>
+            </a:r>
+            <a:r>
+              <a:rPr lang="en-US" sz="3600" b="1" dirty="0" smtClean="0">
+                <a:solidFill>
+                  <a:srgbClr val="000066"/>
+                </a:solidFill>
+                <a:latin typeface="Times New Roman" pitchFamily="18" charset="0"/>
+                <a:ea typeface="微軟正黑體" pitchFamily="34" charset="-120"/>
+                <a:cs typeface="Times New Roman" pitchFamily="18" charset="0"/>
+              </a:rPr>
+              <a:t> </a:t>
+            </a:r>
+            <a:r>
+              <a:rPr lang="en-US" sz="3600" b="1" dirty="0" err="1" smtClean="0">
+                <a:solidFill>
+                  <a:srgbClr val="000066"/>
+                </a:solidFill>
+                <a:latin typeface="Times New Roman" pitchFamily="18" charset="0"/>
+                <a:ea typeface="微軟正黑體" pitchFamily="34" charset="-120"/>
+                <a:cs typeface="Times New Roman" pitchFamily="18" charset="0"/>
+              </a:rPr>
+              <a:t>Ngài</a:t>
+            </a:r>
+            <a:endParaRPr lang="zh-TW" altLang="en-US" sz="3600" dirty="0"/>
+          </a:p>
+        </p:txBody>
+      </p:sp>
+      <p:sp>
+        <p:nvSpPr>
+          <p:cNvPr id="5" name="內容版面配置區 4"/>
+          <p:cNvSpPr>
+            <a:spLocks noGrp="1"/>
+          </p:cNvSpPr>
+          <p:nvPr>
+            <p:ph idx="1"/>
+          </p:nvPr>
+        </p:nvSpPr>
+        <p:spPr>
+          <a:xfrm>
+            <a:off x="0" y="1600200"/>
+            <a:ext cx="9144000" cy="5257800"/>
+          </a:xfrm>
+        </p:spPr>
+        <p:txBody>
+          <a:bodyPr>
             <a:normAutofit/>
           </a:bodyPr>
           <a:lstStyle/>
@@ -4344,288 +5790,950 @@
               <a:buNone/>
             </a:pPr>
             <a:r>
-              <a:rPr lang="zh-CN" altLang="en-US" dirty="0"/>
+              <a:rPr lang="zh-CN" altLang="en-US" sz="4800" b="1" dirty="0">
+                <a:solidFill>
+                  <a:srgbClr val="000066"/>
+                </a:solidFill>
+                <a:latin typeface="微軟正黑體" pitchFamily="34" charset="-120"/>
+                <a:ea typeface="微軟正黑體" pitchFamily="34" charset="-120"/>
+              </a:rPr>
               <a:t>心情起起又落落 好像潮起潮落</a:t>
             </a:r>
-            <a:endParaRPr lang="zh-TW" altLang="en-US" dirty="0"/>
+            <a:endParaRPr lang="zh-TW" altLang="en-US" sz="4800" b="1" dirty="0">
+              <a:solidFill>
+                <a:srgbClr val="000066"/>
+              </a:solidFill>
+              <a:latin typeface="微軟正黑體" pitchFamily="34" charset="-120"/>
+              <a:ea typeface="微軟正黑體" pitchFamily="34" charset="-120"/>
+            </a:endParaRPr>
           </a:p>
           <a:p>
             <a:pPr algn="ctr">
               <a:buNone/>
             </a:pPr>
             <a:r>
-              <a:rPr lang="en-US" dirty="0" err="1"/>
+              <a:rPr lang="zh-CN" altLang="en-US" sz="4800" b="1" dirty="0" smtClean="0">
+                <a:solidFill>
+                  <a:srgbClr val="000066"/>
+                </a:solidFill>
+                <a:latin typeface="微軟正黑體" pitchFamily="34" charset="-120"/>
+                <a:ea typeface="微軟正黑體" pitchFamily="34" charset="-120"/>
+              </a:rPr>
+              <a:t>祢</a:t>
+            </a:r>
+            <a:r>
+              <a:rPr lang="zh-CN" altLang="en-US" sz="4800" b="1" dirty="0">
+                <a:solidFill>
+                  <a:srgbClr val="000066"/>
+                </a:solidFill>
+                <a:latin typeface="微軟正黑體" pitchFamily="34" charset="-120"/>
+                <a:ea typeface="微軟正黑體" pitchFamily="34" charset="-120"/>
+              </a:rPr>
+              <a:t>的慈爱众水不能淹</a:t>
+            </a:r>
+            <a:r>
+              <a:rPr lang="zh-CN" altLang="en-US" sz="4800" b="1" dirty="0" smtClean="0">
+                <a:solidFill>
+                  <a:srgbClr val="000066"/>
+                </a:solidFill>
+                <a:latin typeface="微軟正黑體" pitchFamily="34" charset="-120"/>
+                <a:ea typeface="微軟正黑體" pitchFamily="34" charset="-120"/>
+              </a:rPr>
+              <a:t>没</a:t>
+            </a:r>
+            <a:endParaRPr lang="en-US" altLang="zh-CN" sz="4800" b="1" dirty="0" smtClean="0">
+              <a:solidFill>
+                <a:srgbClr val="000066"/>
+              </a:solidFill>
+              <a:latin typeface="微軟正黑體" pitchFamily="34" charset="-120"/>
+              <a:ea typeface="微軟正黑體" pitchFamily="34" charset="-120"/>
+            </a:endParaRPr>
+          </a:p>
+          <a:p>
+            <a:pPr algn="ctr">
+              <a:buNone/>
+            </a:pPr>
+            <a:r>
+              <a:rPr lang="en-US" altLang="en-US" sz="3600" b="1" dirty="0" err="1" smtClean="0">
+                <a:solidFill>
+                  <a:srgbClr val="000066"/>
+                </a:solidFill>
+                <a:latin typeface="Times New Roman" pitchFamily="18" charset="0"/>
+                <a:ea typeface="微軟正黑體" pitchFamily="34" charset="-120"/>
+                <a:cs typeface="Times New Roman" pitchFamily="18" charset="0"/>
+              </a:rPr>
               <a:t>Tâm</a:t>
             </a:r>
             <a:r>
-              <a:rPr lang="en-US" dirty="0"/>
-              <a:t> </a:t>
-            </a:r>
-            <a:r>
-              <a:rPr lang="en-US" dirty="0" err="1"/>
+              <a:rPr lang="en-US" altLang="en-US" sz="3600" b="1" dirty="0" smtClean="0">
+                <a:solidFill>
+                  <a:srgbClr val="000066"/>
+                </a:solidFill>
+                <a:latin typeface="Times New Roman" pitchFamily="18" charset="0"/>
+                <a:ea typeface="微軟正黑體" pitchFamily="34" charset="-120"/>
+                <a:cs typeface="Times New Roman" pitchFamily="18" charset="0"/>
+              </a:rPr>
+              <a:t> </a:t>
+            </a:r>
+            <a:r>
+              <a:rPr lang="en-US" altLang="en-US" sz="3600" b="1" dirty="0" err="1" smtClean="0">
+                <a:solidFill>
+                  <a:srgbClr val="000066"/>
+                </a:solidFill>
+                <a:latin typeface="Times New Roman" pitchFamily="18" charset="0"/>
+                <a:ea typeface="微軟正黑體" pitchFamily="34" charset="-120"/>
+                <a:cs typeface="Times New Roman" pitchFamily="18" charset="0"/>
+              </a:rPr>
               <a:t>trạng</a:t>
             </a:r>
             <a:r>
-              <a:rPr lang="en-US" dirty="0"/>
-              <a:t> </a:t>
-            </a:r>
-            <a:r>
-              <a:rPr lang="en-US" dirty="0" err="1"/>
+              <a:rPr lang="en-US" altLang="en-US" sz="3600" b="1" dirty="0" smtClean="0">
+                <a:solidFill>
+                  <a:srgbClr val="000066"/>
+                </a:solidFill>
+                <a:latin typeface="Times New Roman" pitchFamily="18" charset="0"/>
+                <a:ea typeface="微軟正黑體" pitchFamily="34" charset="-120"/>
+                <a:cs typeface="Times New Roman" pitchFamily="18" charset="0"/>
+              </a:rPr>
+              <a:t> </a:t>
+            </a:r>
+            <a:r>
+              <a:rPr lang="en-US" altLang="en-US" sz="3600" b="1" dirty="0" err="1" smtClean="0">
+                <a:solidFill>
+                  <a:srgbClr val="000066"/>
+                </a:solidFill>
+                <a:latin typeface="Times New Roman" pitchFamily="18" charset="0"/>
+                <a:ea typeface="微軟正黑體" pitchFamily="34" charset="-120"/>
+                <a:cs typeface="Times New Roman" pitchFamily="18" charset="0"/>
+              </a:rPr>
               <a:t>lên</a:t>
             </a:r>
             <a:r>
-              <a:rPr lang="en-US" dirty="0"/>
-              <a:t> </a:t>
-            </a:r>
-            <a:r>
-              <a:rPr lang="en-US" dirty="0" err="1"/>
+              <a:rPr lang="en-US" altLang="en-US" sz="3600" b="1" dirty="0" smtClean="0">
+                <a:solidFill>
+                  <a:srgbClr val="000066"/>
+                </a:solidFill>
+                <a:latin typeface="Times New Roman" pitchFamily="18" charset="0"/>
+                <a:ea typeface="微軟正黑體" pitchFamily="34" charset="-120"/>
+                <a:cs typeface="Times New Roman" pitchFamily="18" charset="0"/>
+              </a:rPr>
+              <a:t> </a:t>
+            </a:r>
+            <a:r>
+              <a:rPr lang="en-US" altLang="en-US" sz="3600" b="1" dirty="0" err="1" smtClean="0">
+                <a:solidFill>
+                  <a:srgbClr val="000066"/>
+                </a:solidFill>
+                <a:latin typeface="Times New Roman" pitchFamily="18" charset="0"/>
+                <a:ea typeface="微軟正黑體" pitchFamily="34" charset="-120"/>
+                <a:cs typeface="Times New Roman" pitchFamily="18" charset="0"/>
+              </a:rPr>
               <a:t>rồi</a:t>
             </a:r>
             <a:r>
-              <a:rPr lang="en-US" dirty="0"/>
-              <a:t> </a:t>
-            </a:r>
-            <a:r>
-              <a:rPr lang="en-US" dirty="0" err="1"/>
+              <a:rPr lang="en-US" altLang="en-US" sz="3600" b="1" dirty="0" smtClean="0">
+                <a:solidFill>
+                  <a:srgbClr val="000066"/>
+                </a:solidFill>
+                <a:latin typeface="Times New Roman" pitchFamily="18" charset="0"/>
+                <a:ea typeface="微軟正黑體" pitchFamily="34" charset="-120"/>
+                <a:cs typeface="Times New Roman" pitchFamily="18" charset="0"/>
+              </a:rPr>
+              <a:t> </a:t>
+            </a:r>
+            <a:r>
+              <a:rPr lang="en-US" altLang="en-US" sz="3600" b="1" dirty="0" err="1" smtClean="0">
+                <a:solidFill>
+                  <a:srgbClr val="000066"/>
+                </a:solidFill>
+                <a:latin typeface="Times New Roman" pitchFamily="18" charset="0"/>
+                <a:ea typeface="微軟正黑體" pitchFamily="34" charset="-120"/>
+                <a:cs typeface="Times New Roman" pitchFamily="18" charset="0"/>
+              </a:rPr>
               <a:t>lại</a:t>
             </a:r>
             <a:r>
-              <a:rPr lang="en-US" dirty="0"/>
-              <a:t> </a:t>
-            </a:r>
-            <a:r>
-              <a:rPr lang="en-US" dirty="0" err="1"/>
+              <a:rPr lang="en-US" altLang="en-US" sz="3600" b="1" dirty="0" smtClean="0">
+                <a:solidFill>
+                  <a:srgbClr val="000066"/>
+                </a:solidFill>
+                <a:latin typeface="Times New Roman" pitchFamily="18" charset="0"/>
+                <a:ea typeface="微軟正黑體" pitchFamily="34" charset="-120"/>
+                <a:cs typeface="Times New Roman" pitchFamily="18" charset="0"/>
+              </a:rPr>
+              <a:t> </a:t>
+            </a:r>
+            <a:r>
+              <a:rPr lang="en-US" altLang="en-US" sz="3600" b="1" dirty="0" err="1" smtClean="0">
+                <a:solidFill>
+                  <a:srgbClr val="000066"/>
+                </a:solidFill>
+                <a:latin typeface="Times New Roman" pitchFamily="18" charset="0"/>
+                <a:ea typeface="微軟正黑體" pitchFamily="34" charset="-120"/>
+                <a:cs typeface="Times New Roman" pitchFamily="18" charset="0"/>
+              </a:rPr>
               <a:t>xuống</a:t>
             </a:r>
-            <a:r>
-              <a:rPr lang="en-US" dirty="0"/>
-              <a:t> </a:t>
-            </a:r>
-            <a:endParaRPr lang="zh-TW" altLang="en-US" dirty="0"/>
+            <a:endParaRPr lang="zh-TW" altLang="en-US" sz="3600" b="1" dirty="0">
+              <a:solidFill>
+                <a:srgbClr val="000066"/>
+              </a:solidFill>
+              <a:latin typeface="Times New Roman" pitchFamily="18" charset="0"/>
+              <a:ea typeface="微軟正黑體" pitchFamily="34" charset="-120"/>
+              <a:cs typeface="Times New Roman" pitchFamily="18" charset="0"/>
+            </a:endParaRPr>
           </a:p>
           <a:p>
             <a:pPr algn="ctr">
               <a:buNone/>
             </a:pPr>
             <a:r>
-              <a:rPr lang="zh-CN" altLang="en-US" dirty="0"/>
-              <a:t>祢的慈爱众水不能淹没</a:t>
-            </a:r>
-            <a:endParaRPr lang="zh-TW" altLang="en-US" dirty="0"/>
+              <a:rPr lang="en-US" altLang="en-US" sz="3600" b="1" dirty="0" err="1">
+                <a:solidFill>
+                  <a:srgbClr val="000066"/>
+                </a:solidFill>
+                <a:latin typeface="Times New Roman" pitchFamily="18" charset="0"/>
+                <a:ea typeface="微軟正黑體" pitchFamily="34" charset="-120"/>
+                <a:cs typeface="Times New Roman" pitchFamily="18" charset="0"/>
+              </a:rPr>
+              <a:t>Tình</a:t>
+            </a:r>
+            <a:r>
+              <a:rPr lang="en-US" altLang="en-US" sz="3600" b="1" dirty="0">
+                <a:solidFill>
+                  <a:srgbClr val="000066"/>
+                </a:solidFill>
+                <a:latin typeface="Times New Roman" pitchFamily="18" charset="0"/>
+                <a:ea typeface="微軟正黑體" pitchFamily="34" charset="-120"/>
+                <a:cs typeface="Times New Roman" pitchFamily="18" charset="0"/>
+              </a:rPr>
+              <a:t> </a:t>
+            </a:r>
+            <a:r>
+              <a:rPr lang="en-US" altLang="en-US" sz="3600" b="1" dirty="0" err="1">
+                <a:solidFill>
+                  <a:srgbClr val="000066"/>
+                </a:solidFill>
+                <a:latin typeface="Times New Roman" pitchFamily="18" charset="0"/>
+                <a:ea typeface="微軟正黑體" pitchFamily="34" charset="-120"/>
+                <a:cs typeface="Times New Roman" pitchFamily="18" charset="0"/>
+              </a:rPr>
+              <a:t>yêu</a:t>
+            </a:r>
+            <a:r>
+              <a:rPr lang="en-US" altLang="en-US" sz="3600" b="1" dirty="0">
+                <a:solidFill>
+                  <a:srgbClr val="000066"/>
+                </a:solidFill>
+                <a:latin typeface="Times New Roman" pitchFamily="18" charset="0"/>
+                <a:ea typeface="微軟正黑體" pitchFamily="34" charset="-120"/>
+                <a:cs typeface="Times New Roman" pitchFamily="18" charset="0"/>
+              </a:rPr>
+              <a:t> </a:t>
+            </a:r>
+            <a:r>
+              <a:rPr lang="en-US" altLang="en-US" sz="3600" b="1" dirty="0" err="1">
+                <a:solidFill>
+                  <a:srgbClr val="000066"/>
+                </a:solidFill>
+                <a:latin typeface="Times New Roman" pitchFamily="18" charset="0"/>
+                <a:ea typeface="微軟正黑體" pitchFamily="34" charset="-120"/>
+                <a:cs typeface="Times New Roman" pitchFamily="18" charset="0"/>
+              </a:rPr>
+              <a:t>Ngài</a:t>
+            </a:r>
+            <a:r>
+              <a:rPr lang="en-US" altLang="en-US" sz="3600" b="1" dirty="0">
+                <a:solidFill>
+                  <a:srgbClr val="000066"/>
+                </a:solidFill>
+                <a:latin typeface="Times New Roman" pitchFamily="18" charset="0"/>
+                <a:ea typeface="微軟正黑體" pitchFamily="34" charset="-120"/>
+                <a:cs typeface="Times New Roman" pitchFamily="18" charset="0"/>
+              </a:rPr>
+              <a:t> </a:t>
+            </a:r>
+            <a:r>
+              <a:rPr lang="en-US" altLang="en-US" sz="3600" b="1" dirty="0" err="1">
+                <a:solidFill>
+                  <a:srgbClr val="000066"/>
+                </a:solidFill>
+                <a:latin typeface="Times New Roman" pitchFamily="18" charset="0"/>
+                <a:ea typeface="微軟正黑體" pitchFamily="34" charset="-120"/>
+                <a:cs typeface="Times New Roman" pitchFamily="18" charset="0"/>
+              </a:rPr>
+              <a:t>các</a:t>
+            </a:r>
+            <a:r>
+              <a:rPr lang="en-US" altLang="en-US" sz="3600" b="1" dirty="0">
+                <a:solidFill>
+                  <a:srgbClr val="000066"/>
+                </a:solidFill>
+                <a:latin typeface="Times New Roman" pitchFamily="18" charset="0"/>
+                <a:ea typeface="微軟正黑體" pitchFamily="34" charset="-120"/>
+                <a:cs typeface="Times New Roman" pitchFamily="18" charset="0"/>
+              </a:rPr>
+              <a:t> </a:t>
+            </a:r>
+            <a:r>
+              <a:rPr lang="en-US" altLang="en-US" sz="3600" b="1" dirty="0" err="1" smtClean="0">
+                <a:solidFill>
+                  <a:srgbClr val="000066"/>
+                </a:solidFill>
+                <a:latin typeface="Times New Roman" pitchFamily="18" charset="0"/>
+                <a:ea typeface="微軟正黑體" pitchFamily="34" charset="-120"/>
+                <a:cs typeface="Times New Roman" pitchFamily="18" charset="0"/>
+              </a:rPr>
+              <a:t>sông</a:t>
+            </a:r>
+            <a:endParaRPr lang="en-US" altLang="en-US" sz="3600" b="1" dirty="0" smtClean="0">
+              <a:solidFill>
+                <a:srgbClr val="000066"/>
+              </a:solidFill>
+              <a:latin typeface="Times New Roman" pitchFamily="18" charset="0"/>
+              <a:ea typeface="微軟正黑體" pitchFamily="34" charset="-120"/>
+              <a:cs typeface="Times New Roman" pitchFamily="18" charset="0"/>
+            </a:endParaRPr>
           </a:p>
           <a:p>
             <a:pPr algn="ctr">
               <a:buNone/>
             </a:pPr>
             <a:r>
-              <a:rPr lang="en-US" dirty="0" err="1"/>
-              <a:t>Tình</a:t>
-            </a:r>
-            <a:r>
-              <a:rPr lang="en-US" dirty="0"/>
-              <a:t> </a:t>
-            </a:r>
-            <a:r>
-              <a:rPr lang="en-US" dirty="0" err="1"/>
-              <a:t>yêu</a:t>
-            </a:r>
-            <a:r>
-              <a:rPr lang="en-US" dirty="0"/>
-              <a:t> </a:t>
-            </a:r>
-            <a:r>
-              <a:rPr lang="en-US" dirty="0" err="1"/>
+              <a:rPr lang="en-US" altLang="en-US" sz="3600" b="1" dirty="0" err="1" smtClean="0">
+                <a:solidFill>
+                  <a:srgbClr val="000066"/>
+                </a:solidFill>
+                <a:latin typeface="Times New Roman" pitchFamily="18" charset="0"/>
+                <a:ea typeface="微軟正黑體" pitchFamily="34" charset="-120"/>
+                <a:cs typeface="Times New Roman" pitchFamily="18" charset="0"/>
+              </a:rPr>
+              <a:t>không</a:t>
+            </a:r>
+            <a:r>
+              <a:rPr lang="en-US" altLang="en-US" sz="3600" b="1" dirty="0" smtClean="0">
+                <a:solidFill>
+                  <a:srgbClr val="000066"/>
+                </a:solidFill>
+                <a:latin typeface="Times New Roman" pitchFamily="18" charset="0"/>
+                <a:ea typeface="微軟正黑體" pitchFamily="34" charset="-120"/>
+                <a:cs typeface="Times New Roman" pitchFamily="18" charset="0"/>
+              </a:rPr>
+              <a:t> </a:t>
+            </a:r>
+            <a:r>
+              <a:rPr lang="en-US" altLang="en-US" sz="3600" b="1" dirty="0" err="1">
+                <a:solidFill>
+                  <a:srgbClr val="000066"/>
+                </a:solidFill>
+                <a:latin typeface="Times New Roman" pitchFamily="18" charset="0"/>
+                <a:ea typeface="微軟正黑體" pitchFamily="34" charset="-120"/>
+                <a:cs typeface="Times New Roman" pitchFamily="18" charset="0"/>
+              </a:rPr>
+              <a:t>thể</a:t>
+            </a:r>
+            <a:r>
+              <a:rPr lang="en-US" altLang="en-US" sz="3600" b="1" dirty="0">
+                <a:solidFill>
+                  <a:srgbClr val="000066"/>
+                </a:solidFill>
+                <a:latin typeface="Times New Roman" pitchFamily="18" charset="0"/>
+                <a:ea typeface="微軟正黑體" pitchFamily="34" charset="-120"/>
+                <a:cs typeface="Times New Roman" pitchFamily="18" charset="0"/>
+              </a:rPr>
+              <a:t> </a:t>
+            </a:r>
+            <a:r>
+              <a:rPr lang="en-US" altLang="en-US" sz="3600" b="1" dirty="0" err="1">
+                <a:solidFill>
+                  <a:srgbClr val="000066"/>
+                </a:solidFill>
+                <a:latin typeface="Times New Roman" pitchFamily="18" charset="0"/>
+                <a:ea typeface="微軟正黑體" pitchFamily="34" charset="-120"/>
+                <a:cs typeface="Times New Roman" pitchFamily="18" charset="0"/>
+              </a:rPr>
+              <a:t>nhấn</a:t>
+            </a:r>
+            <a:r>
+              <a:rPr lang="en-US" altLang="en-US" sz="3600" b="1" dirty="0">
+                <a:solidFill>
+                  <a:srgbClr val="000066"/>
+                </a:solidFill>
+                <a:latin typeface="Times New Roman" pitchFamily="18" charset="0"/>
+                <a:ea typeface="微軟正黑體" pitchFamily="34" charset="-120"/>
+                <a:cs typeface="Times New Roman" pitchFamily="18" charset="0"/>
+              </a:rPr>
+              <a:t> </a:t>
+            </a:r>
+            <a:r>
+              <a:rPr lang="en-US" altLang="en-US" sz="3600" b="1" dirty="0" err="1">
+                <a:solidFill>
+                  <a:srgbClr val="000066"/>
+                </a:solidFill>
+                <a:latin typeface="Times New Roman" pitchFamily="18" charset="0"/>
+                <a:ea typeface="微軟正黑體" pitchFamily="34" charset="-120"/>
+                <a:cs typeface="Times New Roman" pitchFamily="18" charset="0"/>
+              </a:rPr>
+              <a:t>chìm</a:t>
+            </a:r>
+            <a:r>
+              <a:rPr lang="en-US" altLang="en-US" sz="3600" b="1" dirty="0">
+                <a:solidFill>
+                  <a:srgbClr val="000066"/>
+                </a:solidFill>
+                <a:latin typeface="Times New Roman" pitchFamily="18" charset="0"/>
+                <a:ea typeface="微軟正黑體" pitchFamily="34" charset="-120"/>
+                <a:cs typeface="Times New Roman" pitchFamily="18" charset="0"/>
+              </a:rPr>
+              <a:t> </a:t>
+            </a:r>
+            <a:r>
+              <a:rPr lang="en-US" altLang="en-US" sz="3600" b="1" dirty="0" err="1" smtClean="0">
+                <a:solidFill>
+                  <a:srgbClr val="000066"/>
+                </a:solidFill>
+                <a:latin typeface="Times New Roman" pitchFamily="18" charset="0"/>
+                <a:ea typeface="微軟正黑體" pitchFamily="34" charset="-120"/>
+                <a:cs typeface="Times New Roman" pitchFamily="18" charset="0"/>
+              </a:rPr>
+              <a:t>được</a:t>
+            </a:r>
+            <a:endParaRPr lang="zh-TW" altLang="en-US" sz="3600" b="1" dirty="0">
+              <a:solidFill>
+                <a:srgbClr val="000066"/>
+              </a:solidFill>
+              <a:latin typeface="Times New Roman" pitchFamily="18" charset="0"/>
+              <a:ea typeface="微軟正黑體" pitchFamily="34" charset="-120"/>
+              <a:cs typeface="Times New Roman" pitchFamily="18" charset="0"/>
+            </a:endParaRPr>
+          </a:p>
+        </p:txBody>
+      </p:sp>
+    </p:spTree>
+  </p:cSld>
+  <p:clrMapOvr>
+    <a:masterClrMapping/>
+  </p:clrMapOvr>
+</p:sld>
+</file>
+
+<file path=ppt/slides/slide6.xml><?xml version="1.0" encoding="utf-8"?>
+<p:sld xmlns:a="http://schemas.openxmlformats.org/drawingml/2006/main" xmlns:r="http://schemas.openxmlformats.org/officeDocument/2006/relationships" xmlns:p="http://schemas.openxmlformats.org/presentationml/2006/main">
+  <p:cSld>
+    <p:spTree>
+      <p:nvGrpSpPr>
+        <p:cNvPr id="1" name=""/>
+        <p:cNvGrpSpPr/>
+        <p:nvPr/>
+      </p:nvGrpSpPr>
+      <p:grpSpPr>
+        <a:xfrm>
+          <a:off x="0" y="0"/>
+          <a:ext cx="0" cy="0"/>
+          <a:chOff x="0" y="0"/>
+          <a:chExt cx="0" cy="0"/>
+        </a:xfrm>
+      </p:grpSpPr>
+      <p:sp>
+        <p:nvSpPr>
+          <p:cNvPr id="4" name="標題 3"/>
+          <p:cNvSpPr>
+            <a:spLocks noGrp="1"/>
+          </p:cNvSpPr>
+          <p:nvPr>
+            <p:ph type="title"/>
+          </p:nvPr>
+        </p:nvSpPr>
+        <p:spPr/>
+        <p:txBody>
+          <a:bodyPr>
+            <a:noAutofit/>
+          </a:bodyPr>
+          <a:lstStyle/>
+          <a:p>
+            <a:r>
+              <a:rPr lang="zh-CN" altLang="en-US" sz="3600" b="1" dirty="0" smtClean="0">
+                <a:solidFill>
+                  <a:srgbClr val="000066"/>
+                </a:solidFill>
+                <a:latin typeface="微軟正黑體" pitchFamily="34" charset="-120"/>
+                <a:ea typeface="微軟正黑體" pitchFamily="34" charset="-120"/>
+              </a:rPr>
+              <a:t>想起祢   </a:t>
+            </a:r>
+            <a:r>
+              <a:rPr lang="en-US" sz="3600" b="1" dirty="0" err="1" smtClean="0">
+                <a:solidFill>
+                  <a:srgbClr val="000066"/>
+                </a:solidFill>
+                <a:latin typeface="Times New Roman" pitchFamily="18" charset="0"/>
+                <a:ea typeface="微軟正黑體" pitchFamily="34" charset="-120"/>
+                <a:cs typeface="Times New Roman" pitchFamily="18" charset="0"/>
+              </a:rPr>
+              <a:t>Nghĩ</a:t>
+            </a:r>
+            <a:r>
+              <a:rPr lang="en-US" sz="3600" b="1" dirty="0" smtClean="0">
+                <a:solidFill>
+                  <a:srgbClr val="000066"/>
+                </a:solidFill>
+                <a:latin typeface="Times New Roman" pitchFamily="18" charset="0"/>
+                <a:ea typeface="微軟正黑體" pitchFamily="34" charset="-120"/>
+                <a:cs typeface="Times New Roman" pitchFamily="18" charset="0"/>
+              </a:rPr>
+              <a:t> </a:t>
+            </a:r>
+            <a:r>
+              <a:rPr lang="en-US" sz="3600" b="1" dirty="0" err="1" smtClean="0">
+                <a:solidFill>
+                  <a:srgbClr val="000066"/>
+                </a:solidFill>
+                <a:latin typeface="Times New Roman" pitchFamily="18" charset="0"/>
+                <a:ea typeface="微軟正黑體" pitchFamily="34" charset="-120"/>
+                <a:cs typeface="Times New Roman" pitchFamily="18" charset="0"/>
+              </a:rPr>
+              <a:t>đến</a:t>
+            </a:r>
+            <a:r>
+              <a:rPr lang="en-US" sz="3600" b="1" dirty="0" smtClean="0">
+                <a:solidFill>
+                  <a:srgbClr val="000066"/>
+                </a:solidFill>
+                <a:latin typeface="Times New Roman" pitchFamily="18" charset="0"/>
+                <a:ea typeface="微軟正黑體" pitchFamily="34" charset="-120"/>
+                <a:cs typeface="Times New Roman" pitchFamily="18" charset="0"/>
+              </a:rPr>
+              <a:t> </a:t>
+            </a:r>
+            <a:r>
+              <a:rPr lang="en-US" sz="3600" b="1" dirty="0" err="1" smtClean="0">
+                <a:solidFill>
+                  <a:srgbClr val="000066"/>
+                </a:solidFill>
+                <a:latin typeface="Times New Roman" pitchFamily="18" charset="0"/>
+                <a:ea typeface="微軟正黑體" pitchFamily="34" charset="-120"/>
+                <a:cs typeface="Times New Roman" pitchFamily="18" charset="0"/>
+              </a:rPr>
               <a:t>Ngài</a:t>
             </a:r>
-            <a:r>
-              <a:rPr lang="en-US" dirty="0"/>
-              <a:t> </a:t>
-            </a:r>
-            <a:r>
-              <a:rPr lang="en-US" dirty="0" err="1"/>
-              <a:t>các</a:t>
-            </a:r>
-            <a:r>
-              <a:rPr lang="en-US" dirty="0"/>
-              <a:t> </a:t>
-            </a:r>
-            <a:r>
-              <a:rPr lang="en-US" dirty="0" err="1"/>
-              <a:t>sông</a:t>
-            </a:r>
-            <a:r>
-              <a:rPr lang="en-US" dirty="0"/>
-              <a:t> </a:t>
-            </a:r>
-            <a:r>
-              <a:rPr lang="en-US" dirty="0" err="1"/>
+            <a:endParaRPr lang="zh-TW" altLang="en-US" sz="3600" b="1" dirty="0">
+              <a:solidFill>
+                <a:srgbClr val="000066"/>
+              </a:solidFill>
+              <a:latin typeface="微軟正黑體" pitchFamily="34" charset="-120"/>
+              <a:ea typeface="微軟正黑體" pitchFamily="34" charset="-120"/>
+            </a:endParaRPr>
+          </a:p>
+        </p:txBody>
+      </p:sp>
+      <p:sp>
+        <p:nvSpPr>
+          <p:cNvPr id="5" name="內容版面配置區 4"/>
+          <p:cNvSpPr>
+            <a:spLocks noGrp="1"/>
+          </p:cNvSpPr>
+          <p:nvPr>
+            <p:ph idx="1"/>
+          </p:nvPr>
+        </p:nvSpPr>
+        <p:spPr>
+          <a:xfrm>
+            <a:off x="0" y="1600200"/>
+            <a:ext cx="9144000" cy="5257800"/>
+          </a:xfrm>
+        </p:spPr>
+        <p:txBody>
+          <a:bodyPr>
+            <a:normAutofit/>
+          </a:bodyPr>
+          <a:lstStyle/>
+          <a:p>
+            <a:pPr algn="ctr">
+              <a:buNone/>
+            </a:pPr>
+            <a:r>
+              <a:rPr lang="zh-CN" altLang="en-US" sz="4800" b="1" dirty="0" smtClean="0">
+                <a:solidFill>
+                  <a:srgbClr val="000066"/>
+                </a:solidFill>
+                <a:latin typeface="微軟正黑體" pitchFamily="34" charset="-120"/>
+                <a:ea typeface="微軟正黑體" pitchFamily="34" charset="-120"/>
+              </a:rPr>
+              <a:t>听</a:t>
+            </a:r>
+            <a:r>
+              <a:rPr lang="zh-CN" altLang="en-US" sz="4800" b="1" dirty="0">
+                <a:solidFill>
+                  <a:srgbClr val="000066"/>
+                </a:solidFill>
+                <a:latin typeface="微軟正黑體" pitchFamily="34" charset="-120"/>
+                <a:ea typeface="微軟正黑體" pitchFamily="34" charset="-120"/>
+              </a:rPr>
+              <a:t>祢慈声对我说 一生不离开我</a:t>
+            </a:r>
+            <a:endParaRPr lang="zh-TW" altLang="en-US" sz="4800" b="1" dirty="0">
+              <a:solidFill>
+                <a:srgbClr val="000066"/>
+              </a:solidFill>
+              <a:latin typeface="微軟正黑體" pitchFamily="34" charset="-120"/>
+              <a:ea typeface="微軟正黑體" pitchFamily="34" charset="-120"/>
+            </a:endParaRPr>
+          </a:p>
+          <a:p>
+            <a:pPr algn="ctr">
+              <a:buNone/>
+            </a:pPr>
+            <a:r>
+              <a:rPr lang="zh-CN" altLang="en-US" sz="4800" b="1" dirty="0" smtClean="0">
+                <a:solidFill>
+                  <a:srgbClr val="000066"/>
+                </a:solidFill>
+                <a:latin typeface="微軟正黑體" pitchFamily="34" charset="-120"/>
+                <a:ea typeface="微軟正黑體" pitchFamily="34" charset="-120"/>
+              </a:rPr>
+              <a:t>给</a:t>
+            </a:r>
+            <a:r>
+              <a:rPr lang="zh-CN" altLang="en-US" sz="4800" b="1" dirty="0">
+                <a:solidFill>
+                  <a:srgbClr val="000066"/>
+                </a:solidFill>
+                <a:latin typeface="微軟正黑體" pitchFamily="34" charset="-120"/>
+                <a:ea typeface="微軟正黑體" pitchFamily="34" charset="-120"/>
+              </a:rPr>
+              <a:t>我恩典的承</a:t>
+            </a:r>
+            <a:r>
+              <a:rPr lang="zh-CN" altLang="en-US" sz="4800" b="1" dirty="0" smtClean="0">
+                <a:solidFill>
+                  <a:srgbClr val="000066"/>
+                </a:solidFill>
+                <a:latin typeface="微軟正黑體" pitchFamily="34" charset="-120"/>
+                <a:ea typeface="微軟正黑體" pitchFamily="34" charset="-120"/>
+              </a:rPr>
+              <a:t>诺</a:t>
+            </a:r>
+            <a:endParaRPr lang="en-US" altLang="zh-CN" sz="4800" b="1" dirty="0" smtClean="0">
+              <a:solidFill>
+                <a:srgbClr val="000066"/>
+              </a:solidFill>
+              <a:latin typeface="微軟正黑體" pitchFamily="34" charset="-120"/>
+              <a:ea typeface="微軟正黑體" pitchFamily="34" charset="-120"/>
+            </a:endParaRPr>
+          </a:p>
+          <a:p>
+            <a:pPr algn="ctr">
+              <a:buNone/>
+            </a:pPr>
+            <a:r>
+              <a:rPr lang="en-US" altLang="en-US" sz="3600" b="1" dirty="0" err="1" smtClean="0">
+                <a:solidFill>
+                  <a:srgbClr val="000066"/>
+                </a:solidFill>
+                <a:latin typeface="Times New Roman" pitchFamily="18" charset="0"/>
+                <a:ea typeface="微軟正黑體" pitchFamily="34" charset="-120"/>
+                <a:cs typeface="Times New Roman" pitchFamily="18" charset="0"/>
+              </a:rPr>
+              <a:t>Lời</a:t>
+            </a:r>
+            <a:r>
+              <a:rPr lang="en-US" altLang="en-US" sz="3600" b="1" dirty="0" smtClean="0">
+                <a:solidFill>
+                  <a:srgbClr val="000066"/>
+                </a:solidFill>
+                <a:latin typeface="Times New Roman" pitchFamily="18" charset="0"/>
+                <a:ea typeface="微軟正黑體" pitchFamily="34" charset="-120"/>
+                <a:cs typeface="Times New Roman" pitchFamily="18" charset="0"/>
+              </a:rPr>
+              <a:t> </a:t>
+            </a:r>
+            <a:r>
+              <a:rPr lang="en-US" altLang="en-US" sz="3600" b="1" dirty="0" err="1" smtClean="0">
+                <a:solidFill>
+                  <a:srgbClr val="000066"/>
+                </a:solidFill>
+                <a:latin typeface="Times New Roman" pitchFamily="18" charset="0"/>
+                <a:ea typeface="微軟正黑體" pitchFamily="34" charset="-120"/>
+                <a:cs typeface="Times New Roman" pitchFamily="18" charset="0"/>
+              </a:rPr>
+              <a:t>êm</a:t>
+            </a:r>
+            <a:r>
+              <a:rPr lang="en-US" altLang="en-US" sz="3600" b="1" dirty="0" smtClean="0">
+                <a:solidFill>
+                  <a:srgbClr val="000066"/>
+                </a:solidFill>
+                <a:latin typeface="Times New Roman" pitchFamily="18" charset="0"/>
+                <a:ea typeface="微軟正黑體" pitchFamily="34" charset="-120"/>
+                <a:cs typeface="Times New Roman" pitchFamily="18" charset="0"/>
+              </a:rPr>
+              <a:t> </a:t>
+            </a:r>
+            <a:r>
+              <a:rPr lang="en-US" altLang="en-US" sz="3600" b="1" dirty="0" err="1" smtClean="0">
+                <a:solidFill>
+                  <a:srgbClr val="000066"/>
+                </a:solidFill>
+                <a:latin typeface="Times New Roman" pitchFamily="18" charset="0"/>
+                <a:ea typeface="微軟正黑體" pitchFamily="34" charset="-120"/>
+                <a:cs typeface="Times New Roman" pitchFamily="18" charset="0"/>
+              </a:rPr>
+              <a:t>dịu</a:t>
+            </a:r>
+            <a:r>
+              <a:rPr lang="en-US" altLang="en-US" sz="3600" b="1" dirty="0" smtClean="0">
+                <a:solidFill>
+                  <a:srgbClr val="000066"/>
+                </a:solidFill>
+                <a:latin typeface="Times New Roman" pitchFamily="18" charset="0"/>
+                <a:ea typeface="微軟正黑體" pitchFamily="34" charset="-120"/>
+                <a:cs typeface="Times New Roman" pitchFamily="18" charset="0"/>
+              </a:rPr>
+              <a:t> </a:t>
+            </a:r>
+            <a:r>
+              <a:rPr lang="en-US" altLang="en-US" sz="3600" b="1" dirty="0" err="1" smtClean="0">
+                <a:solidFill>
+                  <a:srgbClr val="000066"/>
+                </a:solidFill>
+                <a:latin typeface="Times New Roman" pitchFamily="18" charset="0"/>
+                <a:ea typeface="微軟正黑體" pitchFamily="34" charset="-120"/>
+                <a:cs typeface="Times New Roman" pitchFamily="18" charset="0"/>
+              </a:rPr>
+              <a:t>của</a:t>
+            </a:r>
+            <a:r>
+              <a:rPr lang="en-US" altLang="en-US" sz="3600" b="1" dirty="0" smtClean="0">
+                <a:solidFill>
+                  <a:srgbClr val="000066"/>
+                </a:solidFill>
+                <a:latin typeface="Times New Roman" pitchFamily="18" charset="0"/>
+                <a:ea typeface="微軟正黑體" pitchFamily="34" charset="-120"/>
+                <a:cs typeface="Times New Roman" pitchFamily="18" charset="0"/>
+              </a:rPr>
+              <a:t> </a:t>
+            </a:r>
+            <a:r>
+              <a:rPr lang="en-US" altLang="en-US" sz="3600" b="1" dirty="0" err="1" smtClean="0">
+                <a:solidFill>
+                  <a:srgbClr val="000066"/>
+                </a:solidFill>
+                <a:latin typeface="Times New Roman" pitchFamily="18" charset="0"/>
+                <a:ea typeface="微軟正黑體" pitchFamily="34" charset="-120"/>
+                <a:cs typeface="Times New Roman" pitchFamily="18" charset="0"/>
+              </a:rPr>
+              <a:t>Ngài</a:t>
+            </a:r>
+            <a:r>
+              <a:rPr lang="en-US" altLang="en-US" sz="3600" b="1" dirty="0" smtClean="0">
+                <a:solidFill>
+                  <a:srgbClr val="000066"/>
+                </a:solidFill>
+                <a:latin typeface="Times New Roman" pitchFamily="18" charset="0"/>
+                <a:ea typeface="微軟正黑體" pitchFamily="34" charset="-120"/>
+                <a:cs typeface="Times New Roman" pitchFamily="18" charset="0"/>
+              </a:rPr>
+              <a:t> </a:t>
+            </a:r>
+            <a:r>
+              <a:rPr lang="en-US" altLang="en-US" sz="3600" b="1" dirty="0" err="1" smtClean="0">
+                <a:solidFill>
+                  <a:srgbClr val="000066"/>
+                </a:solidFill>
+                <a:latin typeface="Times New Roman" pitchFamily="18" charset="0"/>
+                <a:ea typeface="微軟正黑體" pitchFamily="34" charset="-120"/>
+                <a:cs typeface="Times New Roman" pitchFamily="18" charset="0"/>
+              </a:rPr>
+              <a:t>nói</a:t>
+            </a:r>
+            <a:endParaRPr lang="en-US" altLang="en-US" sz="3600" b="1" dirty="0" smtClean="0">
+              <a:solidFill>
+                <a:srgbClr val="000066"/>
+              </a:solidFill>
+              <a:latin typeface="Times New Roman" pitchFamily="18" charset="0"/>
+              <a:ea typeface="微軟正黑體" pitchFamily="34" charset="-120"/>
+              <a:cs typeface="Times New Roman" pitchFamily="18" charset="0"/>
+            </a:endParaRPr>
+          </a:p>
+          <a:p>
+            <a:pPr algn="ctr">
+              <a:buNone/>
+            </a:pPr>
+            <a:r>
+              <a:rPr lang="en-US" altLang="en-US" sz="3600" b="1" dirty="0" err="1" smtClean="0">
+                <a:solidFill>
+                  <a:srgbClr val="000066"/>
+                </a:solidFill>
+                <a:latin typeface="Times New Roman" pitchFamily="18" charset="0"/>
+                <a:ea typeface="微軟正黑體" pitchFamily="34" charset="-120"/>
+                <a:cs typeface="Times New Roman" pitchFamily="18" charset="0"/>
+              </a:rPr>
+              <a:t>Cả</a:t>
+            </a:r>
+            <a:r>
+              <a:rPr lang="en-US" altLang="en-US" sz="3600" b="1" dirty="0" smtClean="0">
+                <a:solidFill>
+                  <a:srgbClr val="000066"/>
+                </a:solidFill>
+                <a:latin typeface="Times New Roman" pitchFamily="18" charset="0"/>
+                <a:ea typeface="微軟正黑體" pitchFamily="34" charset="-120"/>
+                <a:cs typeface="Times New Roman" pitchFamily="18" charset="0"/>
+              </a:rPr>
+              <a:t> </a:t>
+            </a:r>
+            <a:r>
+              <a:rPr lang="en-US" altLang="en-US" sz="3600" b="1" dirty="0" err="1" smtClean="0">
+                <a:solidFill>
+                  <a:srgbClr val="000066"/>
+                </a:solidFill>
+                <a:latin typeface="Times New Roman" pitchFamily="18" charset="0"/>
+                <a:ea typeface="微軟正黑體" pitchFamily="34" charset="-120"/>
+                <a:cs typeface="Times New Roman" pitchFamily="18" charset="0"/>
+              </a:rPr>
+              <a:t>đời</a:t>
+            </a:r>
+            <a:r>
+              <a:rPr lang="en-US" altLang="en-US" sz="3600" b="1" dirty="0" smtClean="0">
+                <a:solidFill>
+                  <a:srgbClr val="000066"/>
+                </a:solidFill>
+                <a:latin typeface="Times New Roman" pitchFamily="18" charset="0"/>
+                <a:ea typeface="微軟正黑體" pitchFamily="34" charset="-120"/>
+                <a:cs typeface="Times New Roman" pitchFamily="18" charset="0"/>
+              </a:rPr>
+              <a:t> </a:t>
+            </a:r>
+            <a:r>
+              <a:rPr lang="en-US" altLang="en-US" sz="3600" b="1" dirty="0" err="1" smtClean="0">
+                <a:solidFill>
+                  <a:srgbClr val="000066"/>
+                </a:solidFill>
+                <a:latin typeface="Times New Roman" pitchFamily="18" charset="0"/>
+                <a:ea typeface="微軟正黑體" pitchFamily="34" charset="-120"/>
+                <a:cs typeface="Times New Roman" pitchFamily="18" charset="0"/>
+              </a:rPr>
               <a:t>không</a:t>
             </a:r>
             <a:r>
-              <a:rPr lang="en-US" dirty="0"/>
-              <a:t> </a:t>
-            </a:r>
-            <a:r>
-              <a:rPr lang="en-US" dirty="0" err="1"/>
-              <a:t>thể</a:t>
-            </a:r>
-            <a:r>
-              <a:rPr lang="en-US" dirty="0"/>
-              <a:t> </a:t>
-            </a:r>
-            <a:r>
-              <a:rPr lang="en-US" dirty="0" err="1"/>
-              <a:t>nhấn</a:t>
-            </a:r>
-            <a:r>
-              <a:rPr lang="en-US" dirty="0"/>
-              <a:t> </a:t>
-            </a:r>
-            <a:r>
-              <a:rPr lang="en-US" dirty="0" err="1"/>
-              <a:t>chìm</a:t>
-            </a:r>
-            <a:r>
-              <a:rPr lang="en-US" dirty="0"/>
-              <a:t> </a:t>
-            </a:r>
-            <a:r>
-              <a:rPr lang="en-US" dirty="0" err="1"/>
-              <a:t>được</a:t>
-            </a:r>
-            <a:endParaRPr lang="zh-TW" altLang="en-US" dirty="0"/>
+              <a:rPr lang="en-US" altLang="en-US" sz="3600" b="1" dirty="0" smtClean="0">
+                <a:solidFill>
+                  <a:srgbClr val="000066"/>
+                </a:solidFill>
+                <a:latin typeface="Times New Roman" pitchFamily="18" charset="0"/>
+                <a:ea typeface="微軟正黑體" pitchFamily="34" charset="-120"/>
+                <a:cs typeface="Times New Roman" pitchFamily="18" charset="0"/>
+              </a:rPr>
+              <a:t> </a:t>
+            </a:r>
+            <a:r>
+              <a:rPr lang="en-US" altLang="en-US" sz="3600" b="1" dirty="0" err="1" smtClean="0">
+                <a:solidFill>
+                  <a:srgbClr val="000066"/>
+                </a:solidFill>
+                <a:latin typeface="Times New Roman" pitchFamily="18" charset="0"/>
+                <a:ea typeface="微軟正黑體" pitchFamily="34" charset="-120"/>
+                <a:cs typeface="Times New Roman" pitchFamily="18" charset="0"/>
+              </a:rPr>
+              <a:t>rời</a:t>
+            </a:r>
+            <a:r>
+              <a:rPr lang="en-US" altLang="en-US" sz="3600" b="1" dirty="0" smtClean="0">
+                <a:solidFill>
+                  <a:srgbClr val="000066"/>
+                </a:solidFill>
+                <a:latin typeface="Times New Roman" pitchFamily="18" charset="0"/>
+                <a:ea typeface="微軟正黑體" pitchFamily="34" charset="-120"/>
+                <a:cs typeface="Times New Roman" pitchFamily="18" charset="0"/>
+              </a:rPr>
+              <a:t> </a:t>
+            </a:r>
+            <a:r>
+              <a:rPr lang="en-US" altLang="en-US" sz="3600" b="1" dirty="0" err="1" smtClean="0">
+                <a:solidFill>
+                  <a:srgbClr val="000066"/>
+                </a:solidFill>
+                <a:latin typeface="Times New Roman" pitchFamily="18" charset="0"/>
+                <a:ea typeface="微軟正黑體" pitchFamily="34" charset="-120"/>
+                <a:cs typeface="Times New Roman" pitchFamily="18" charset="0"/>
+              </a:rPr>
+              <a:t>xa</a:t>
+            </a:r>
+            <a:r>
+              <a:rPr lang="en-US" altLang="en-US" sz="3600" b="1" dirty="0" smtClean="0">
+                <a:solidFill>
+                  <a:srgbClr val="000066"/>
+                </a:solidFill>
+                <a:latin typeface="Times New Roman" pitchFamily="18" charset="0"/>
+                <a:ea typeface="微軟正黑體" pitchFamily="34" charset="-120"/>
+                <a:cs typeface="Times New Roman" pitchFamily="18" charset="0"/>
+              </a:rPr>
+              <a:t> con</a:t>
+            </a:r>
+            <a:endParaRPr lang="zh-TW" altLang="en-US" sz="3600" b="1" dirty="0" smtClean="0">
+              <a:solidFill>
+                <a:srgbClr val="000066"/>
+              </a:solidFill>
+              <a:latin typeface="Times New Roman" pitchFamily="18" charset="0"/>
+              <a:ea typeface="微軟正黑體" pitchFamily="34" charset="-120"/>
+              <a:cs typeface="Times New Roman" pitchFamily="18" charset="0"/>
+            </a:endParaRPr>
           </a:p>
           <a:p>
             <a:pPr algn="ctr">
               <a:buNone/>
             </a:pPr>
             <a:r>
-              <a:rPr lang="zh-CN" altLang="en-US" dirty="0"/>
-              <a:t>听祢慈声对我说 一生不离开我</a:t>
-            </a:r>
-            <a:endParaRPr lang="zh-TW" altLang="en-US" dirty="0"/>
-          </a:p>
-          <a:p>
-            <a:pPr algn="ctr">
-              <a:buNone/>
-            </a:pPr>
-            <a:r>
-              <a:rPr lang="en-US" dirty="0" err="1"/>
-              <a:t>Lời</a:t>
-            </a:r>
-            <a:r>
-              <a:rPr lang="en-US" dirty="0"/>
-              <a:t> </a:t>
-            </a:r>
-            <a:r>
-              <a:rPr lang="en-US" dirty="0" err="1"/>
-              <a:t>êm</a:t>
-            </a:r>
-            <a:r>
-              <a:rPr lang="en-US" dirty="0"/>
-              <a:t> </a:t>
-            </a:r>
-            <a:r>
-              <a:rPr lang="en-US" dirty="0" err="1"/>
-              <a:t>dịu</a:t>
-            </a:r>
-            <a:r>
-              <a:rPr lang="en-US" dirty="0"/>
-              <a:t> </a:t>
-            </a:r>
-            <a:r>
-              <a:rPr lang="en-US" dirty="0" err="1"/>
-              <a:t>của</a:t>
-            </a:r>
-            <a:r>
-              <a:rPr lang="en-US" dirty="0"/>
-              <a:t> </a:t>
-            </a:r>
-            <a:r>
-              <a:rPr lang="en-US" dirty="0" err="1"/>
-              <a:t>Ngài</a:t>
-            </a:r>
-            <a:r>
-              <a:rPr lang="en-US" dirty="0"/>
-              <a:t> </a:t>
-            </a:r>
-            <a:r>
-              <a:rPr lang="en-US" dirty="0" err="1"/>
-              <a:t>nói</a:t>
-            </a:r>
-            <a:r>
-              <a:rPr lang="en-US" dirty="0"/>
-              <a:t> </a:t>
-            </a:r>
-            <a:r>
-              <a:rPr lang="en-US" dirty="0" err="1"/>
-              <a:t>cả</a:t>
-            </a:r>
-            <a:r>
-              <a:rPr lang="en-US" dirty="0"/>
-              <a:t> </a:t>
-            </a:r>
-            <a:r>
-              <a:rPr lang="en-US" dirty="0" err="1"/>
-              <a:t>đời</a:t>
-            </a:r>
-            <a:r>
-              <a:rPr lang="en-US" dirty="0"/>
-              <a:t> </a:t>
-            </a:r>
-            <a:r>
-              <a:rPr lang="en-US" dirty="0" err="1"/>
-              <a:t>không</a:t>
-            </a:r>
-            <a:r>
-              <a:rPr lang="en-US" dirty="0"/>
-              <a:t> </a:t>
-            </a:r>
-            <a:r>
-              <a:rPr lang="en-US" dirty="0" err="1"/>
-              <a:t>rời</a:t>
-            </a:r>
-            <a:r>
-              <a:rPr lang="en-US" dirty="0"/>
-              <a:t> </a:t>
-            </a:r>
-            <a:r>
-              <a:rPr lang="en-US" dirty="0" err="1"/>
-              <a:t>xa</a:t>
-            </a:r>
-            <a:r>
-              <a:rPr lang="en-US" dirty="0"/>
-              <a:t> con</a:t>
-            </a:r>
-            <a:endParaRPr lang="zh-TW" altLang="en-US" dirty="0"/>
-          </a:p>
-          <a:p>
-            <a:pPr algn="ctr">
-              <a:buNone/>
-            </a:pPr>
-            <a:r>
-              <a:rPr lang="zh-CN" altLang="en-US" dirty="0"/>
-              <a:t>给我恩典的承诺</a:t>
-            </a:r>
-            <a:endParaRPr lang="zh-TW" altLang="en-US" dirty="0"/>
-          </a:p>
-          <a:p>
-            <a:pPr algn="ctr">
-              <a:buNone/>
-            </a:pPr>
-            <a:r>
-              <a:rPr lang="en-US" dirty="0" err="1"/>
+              <a:rPr lang="en-US" altLang="en-US" sz="3600" b="1" dirty="0" err="1" smtClean="0">
+                <a:solidFill>
+                  <a:srgbClr val="000066"/>
+                </a:solidFill>
+                <a:latin typeface="Times New Roman" pitchFamily="18" charset="0"/>
+                <a:ea typeface="微軟正黑體" pitchFamily="34" charset="-120"/>
+                <a:cs typeface="Times New Roman" pitchFamily="18" charset="0"/>
+              </a:rPr>
               <a:t>Là</a:t>
             </a:r>
             <a:r>
-              <a:rPr lang="en-US" dirty="0"/>
-              <a:t> l</a:t>
-            </a:r>
-            <a:r>
-              <a:rPr lang="vi-VN" dirty="0"/>
+              <a:rPr lang="en-US" altLang="en-US" sz="3600" b="1" dirty="0" smtClean="0">
+                <a:solidFill>
+                  <a:srgbClr val="000066"/>
+                </a:solidFill>
+                <a:latin typeface="Times New Roman" pitchFamily="18" charset="0"/>
+                <a:ea typeface="微軟正黑體" pitchFamily="34" charset="-120"/>
+                <a:cs typeface="Times New Roman" pitchFamily="18" charset="0"/>
+              </a:rPr>
+              <a:t> </a:t>
+            </a:r>
+            <a:r>
+              <a:rPr lang="en-US" altLang="en-US" sz="3600" b="1" dirty="0">
+                <a:solidFill>
+                  <a:srgbClr val="000066"/>
+                </a:solidFill>
+                <a:latin typeface="Times New Roman" pitchFamily="18" charset="0"/>
+                <a:ea typeface="微軟正黑體" pitchFamily="34" charset="-120"/>
+                <a:cs typeface="Times New Roman" pitchFamily="18" charset="0"/>
+              </a:rPr>
+              <a:t>l</a:t>
+            </a:r>
+            <a:r>
+              <a:rPr lang="vi-VN" altLang="en-US" sz="3600" b="1" dirty="0">
+                <a:solidFill>
+                  <a:srgbClr val="000066"/>
+                </a:solidFill>
+                <a:latin typeface="Times New Roman" pitchFamily="18" charset="0"/>
+                <a:ea typeface="微軟正黑體" pitchFamily="34" charset="-120"/>
+                <a:cs typeface="Times New Roman" pitchFamily="18" charset="0"/>
+              </a:rPr>
               <a:t>ời hứa ân điển của Ngài</a:t>
             </a:r>
-            <a:endParaRPr lang="zh-TW" altLang="en-US" dirty="0"/>
+            <a:endParaRPr lang="zh-TW" altLang="en-US" sz="3600" b="1" dirty="0">
+              <a:solidFill>
+                <a:srgbClr val="000066"/>
+              </a:solidFill>
+              <a:latin typeface="Times New Roman" pitchFamily="18" charset="0"/>
+              <a:ea typeface="微軟正黑體" pitchFamily="34" charset="-120"/>
+              <a:cs typeface="Times New Roman" pitchFamily="18" charset="0"/>
+            </a:endParaRPr>
           </a:p>
         </p:txBody>
       </p:sp>
